--- a/Kikaku_1/Undertaleの宣伝.pptx
+++ b/Kikaku_1/Undertaleの宣伝.pptx
@@ -7,6 +7,13 @@
   <p:sldIdLst>
     <p:sldId id="256" r:id="rId2"/>
     <p:sldId id="257" r:id="rId3"/>
+    <p:sldId id="258" r:id="rId4"/>
+    <p:sldId id="259" r:id="rId5"/>
+    <p:sldId id="260" r:id="rId6"/>
+    <p:sldId id="261" r:id="rId7"/>
+    <p:sldId id="262" r:id="rId8"/>
+    <p:sldId id="263" r:id="rId9"/>
+    <p:sldId id="264" r:id="rId10"/>
   </p:sldIdLst>
   <p:sldSz cx="12192000" cy="6858000"/>
   <p:notesSz cx="6858000" cy="9144000"/>
@@ -105,6 +112,11 @@
       </a:defRPr>
     </a:lvl9pPr>
   </p:defaultTextStyle>
+  <p:extLst>
+    <p:ext uri="{EFAFB233-063F-42B5-8137-9DF3F51BA10A}">
+      <p15:sldGuideLst xmlns:p15="http://schemas.microsoft.com/office/powerpoint/2012/main"/>
+    </p:ext>
+  </p:extLst>
 </p:presentation>
 </file>
 
@@ -3654,6 +3666,64 @@
           </a:prstGeom>
         </p:spPr>
       </p:pic>
+      <p:sp>
+        <p:nvSpPr>
+          <p:cNvPr id="2" name="テキスト ボックス 1">
+            <a:extLst>
+              <a:ext uri="{FF2B5EF4-FFF2-40B4-BE49-F238E27FC236}">
+                <a16:creationId xmlns:a16="http://schemas.microsoft.com/office/drawing/2014/main" id="{27DE4313-D048-4E6D-A9ED-0E5FB889B761}"/>
+              </a:ext>
+            </a:extLst>
+          </p:cNvPr>
+          <p:cNvSpPr txBox="1"/>
+          <p:nvPr/>
+        </p:nvSpPr>
+        <p:spPr>
+          <a:xfrm>
+            <a:off x="597876" y="527538"/>
+            <a:ext cx="5679832" cy="830997"/>
+          </a:xfrm>
+          <a:prstGeom prst="rect">
+            <a:avLst/>
+          </a:prstGeom>
+          <a:noFill/>
+        </p:spPr>
+        <p:txBody>
+          <a:bodyPr wrap="square" rtlCol="0">
+            <a:spAutoFit/>
+          </a:bodyPr>
+          <a:lstStyle/>
+          <a:p>
+            <a:r>
+              <a:rPr kumimoji="1" lang="ja-JP" altLang="en-US" sz="4800" dirty="0">
+                <a:solidFill>
+                  <a:schemeClr val="bg1"/>
+                </a:solidFill>
+                <a:latin typeface="x12y16pxMaruMonica" panose="02000000000000000000" pitchFamily="2" charset="-128"/>
+                <a:ea typeface="x12y16pxMaruMonica" panose="02000000000000000000" pitchFamily="2" charset="-128"/>
+              </a:rPr>
+              <a:t>今回紹介するのはコチラ</a:t>
+            </a:r>
+            <a:r>
+              <a:rPr kumimoji="1" lang="en-US" altLang="ja-JP" sz="4800" dirty="0">
+                <a:solidFill>
+                  <a:schemeClr val="bg1"/>
+                </a:solidFill>
+                <a:latin typeface="x12y16pxMaruMonica" panose="02000000000000000000" pitchFamily="2" charset="-128"/>
+                <a:ea typeface="x12y16pxMaruMonica" panose="02000000000000000000" pitchFamily="2" charset="-128"/>
+              </a:rPr>
+              <a:t>!!</a:t>
+            </a:r>
+            <a:endParaRPr kumimoji="1" lang="ja-JP" altLang="en-US" sz="4800" dirty="0">
+              <a:solidFill>
+                <a:schemeClr val="bg1"/>
+              </a:solidFill>
+              <a:latin typeface="x12y16pxMaruMonica" panose="02000000000000000000" pitchFamily="2" charset="-128"/>
+              <a:ea typeface="x12y16pxMaruMonica" panose="02000000000000000000" pitchFamily="2" charset="-128"/>
+            </a:endParaRPr>
+          </a:p>
+        </p:txBody>
+      </p:sp>
     </p:spTree>
     <p:extLst>
       <p:ext uri="{BB962C8B-B14F-4D97-AF65-F5344CB8AC3E}">
@@ -3707,7 +3777,7 @@
         <p:spPr>
           <a:xfrm>
             <a:off x="597877" y="334108"/>
-            <a:ext cx="10937631" cy="646331"/>
+            <a:ext cx="10937631" cy="1754326"/>
           </a:xfrm>
           <a:prstGeom prst="rect">
             <a:avLst/>
@@ -3745,11 +3815,490 @@
                 <a:solidFill>
                   <a:schemeClr val="bg1"/>
                 </a:solidFill>
-                <a:latin typeface="ＭＳ 明朝" panose="02020609040205080304" pitchFamily="17" charset="-128"/>
-                <a:ea typeface="ＭＳ 明朝" panose="02020609040205080304" pitchFamily="17" charset="-128"/>
+                <a:latin typeface="x12y16pxMaruMonica" panose="02000000000000000000" pitchFamily="2" charset="-128"/>
+                <a:ea typeface="x12y16pxMaruMonica" panose="02000000000000000000" pitchFamily="2" charset="-128"/>
               </a:rPr>
-              <a:t>それは</a:t>
-            </a:r>
+              <a:t>それは誰も死ななくていいやさしいゲーム</a:t>
+            </a:r>
+            <a:endParaRPr kumimoji="1" lang="en-US" altLang="ja-JP" sz="3600" dirty="0">
+              <a:solidFill>
+                <a:schemeClr val="bg1"/>
+              </a:solidFill>
+              <a:latin typeface="x12y16pxMaruMonica" panose="02000000000000000000" pitchFamily="2" charset="-128"/>
+              <a:ea typeface="x12y16pxMaruMonica" panose="02000000000000000000" pitchFamily="2" charset="-128"/>
+            </a:endParaRPr>
+          </a:p>
+          <a:p>
+            <a:endParaRPr lang="en-US" altLang="ja-JP" sz="3600" dirty="0">
+              <a:solidFill>
+                <a:schemeClr val="bg1"/>
+              </a:solidFill>
+              <a:latin typeface="x12y16pxMaruMonica" panose="02000000000000000000" pitchFamily="2" charset="-128"/>
+              <a:ea typeface="x12y16pxMaruMonica" panose="02000000000000000000" pitchFamily="2" charset="-128"/>
+            </a:endParaRPr>
+          </a:p>
+          <a:p>
+            <a:r>
+              <a:rPr kumimoji="1" lang="ja-JP" altLang="en-US" sz="3600" dirty="0">
+                <a:solidFill>
+                  <a:schemeClr val="bg1"/>
+                </a:solidFill>
+                <a:latin typeface="x12y16pxMaruMonica" panose="02000000000000000000" pitchFamily="2" charset="-128"/>
+                <a:ea typeface="x12y16pxMaruMonica" panose="02000000000000000000" pitchFamily="2" charset="-128"/>
+              </a:rPr>
+              <a:t>そんなキャッチコピーの元、作られたゲームです。</a:t>
+            </a:r>
+          </a:p>
+        </p:txBody>
+      </p:sp>
+      <p:pic>
+        <p:nvPicPr>
+          <p:cNvPr id="4" name="図 3">
+            <a:extLst>
+              <a:ext uri="{FF2B5EF4-FFF2-40B4-BE49-F238E27FC236}">
+                <a16:creationId xmlns:a16="http://schemas.microsoft.com/office/drawing/2014/main" id="{6860FE24-4BA6-4268-81DF-0D7CA87A7E15}"/>
+              </a:ext>
+            </a:extLst>
+          </p:cNvPr>
+          <p:cNvPicPr>
+            <a:picLocks noChangeAspect="1"/>
+          </p:cNvPicPr>
+          <p:nvPr/>
+        </p:nvPicPr>
+        <p:blipFill>
+          <a:blip r:embed="rId2">
+            <a:extLst>
+              <a:ext uri="{28A0092B-C50C-407E-A947-70E740481C1C}">
+                <a14:useLocalDpi xmlns:a14="http://schemas.microsoft.com/office/drawing/2010/main" val="0"/>
+              </a:ext>
+            </a:extLst>
+          </a:blip>
+          <a:stretch>
+            <a:fillRect/>
+          </a:stretch>
+        </p:blipFill>
+        <p:spPr>
+          <a:xfrm>
+            <a:off x="597877" y="2769949"/>
+            <a:ext cx="2105053" cy="2455893"/>
+          </a:xfrm>
+          <a:prstGeom prst="rect">
+            <a:avLst/>
+          </a:prstGeom>
+        </p:spPr>
+      </p:pic>
+      <p:sp>
+        <p:nvSpPr>
+          <p:cNvPr id="5" name="テキスト ボックス 4">
+            <a:extLst>
+              <a:ext uri="{FF2B5EF4-FFF2-40B4-BE49-F238E27FC236}">
+                <a16:creationId xmlns:a16="http://schemas.microsoft.com/office/drawing/2014/main" id="{B44B8054-913D-422F-A311-9AAE0B5D01C3}"/>
+              </a:ext>
+            </a:extLst>
+          </p:cNvPr>
+          <p:cNvSpPr txBox="1"/>
+          <p:nvPr/>
+        </p:nvSpPr>
+        <p:spPr>
+          <a:xfrm rot="616979">
+            <a:off x="1650404" y="1866021"/>
+            <a:ext cx="793858" cy="1107996"/>
+          </a:xfrm>
+          <a:prstGeom prst="rect">
+            <a:avLst/>
+          </a:prstGeom>
+          <a:noFill/>
+        </p:spPr>
+        <p:txBody>
+          <a:bodyPr wrap="square" rtlCol="0">
+            <a:spAutoFit/>
+          </a:bodyPr>
+          <a:lstStyle/>
+          <a:p>
+            <a:r>
+              <a:rPr lang="ja-JP" altLang="en-US" sz="6600" dirty="0">
+                <a:solidFill>
+                  <a:schemeClr val="bg1"/>
+                </a:solidFill>
+                <a:latin typeface="x12y16pxMaruMonica" panose="02000000000000000000" pitchFamily="2" charset="-128"/>
+                <a:ea typeface="x12y16pxMaruMonica" panose="02000000000000000000" pitchFamily="2" charset="-128"/>
+              </a:rPr>
+              <a:t>？</a:t>
+            </a:r>
+            <a:endParaRPr kumimoji="1" lang="ja-JP" altLang="en-US" sz="6600" dirty="0">
+              <a:solidFill>
+                <a:schemeClr val="bg1"/>
+              </a:solidFill>
+              <a:latin typeface="x12y16pxMaruMonica" panose="02000000000000000000" pitchFamily="2" charset="-128"/>
+              <a:ea typeface="x12y16pxMaruMonica" panose="02000000000000000000" pitchFamily="2" charset="-128"/>
+            </a:endParaRPr>
+          </a:p>
+        </p:txBody>
+      </p:sp>
+      <p:sp>
+        <p:nvSpPr>
+          <p:cNvPr id="6" name="テキスト ボックス 5">
+            <a:extLst>
+              <a:ext uri="{FF2B5EF4-FFF2-40B4-BE49-F238E27FC236}">
+                <a16:creationId xmlns:a16="http://schemas.microsoft.com/office/drawing/2014/main" id="{ED0C381A-B3C4-4D29-95BA-056A5148B893}"/>
+              </a:ext>
+            </a:extLst>
+          </p:cNvPr>
+          <p:cNvSpPr txBox="1"/>
+          <p:nvPr/>
+        </p:nvSpPr>
+        <p:spPr>
+          <a:xfrm rot="2147546">
+            <a:off x="2139853" y="2215951"/>
+            <a:ext cx="793858" cy="1107996"/>
+          </a:xfrm>
+          <a:prstGeom prst="rect">
+            <a:avLst/>
+          </a:prstGeom>
+          <a:noFill/>
+        </p:spPr>
+        <p:txBody>
+          <a:bodyPr wrap="square" rtlCol="0">
+            <a:spAutoFit/>
+          </a:bodyPr>
+          <a:lstStyle/>
+          <a:p>
+            <a:r>
+              <a:rPr lang="ja-JP" altLang="en-US" sz="6600" dirty="0">
+                <a:solidFill>
+                  <a:schemeClr val="bg1"/>
+                </a:solidFill>
+                <a:latin typeface="x12y16pxMaruMonica" panose="02000000000000000000" pitchFamily="2" charset="-128"/>
+                <a:ea typeface="x12y16pxMaruMonica" panose="02000000000000000000" pitchFamily="2" charset="-128"/>
+              </a:rPr>
+              <a:t>？</a:t>
+            </a:r>
+            <a:endParaRPr kumimoji="1" lang="ja-JP" altLang="en-US" sz="6600" dirty="0">
+              <a:solidFill>
+                <a:schemeClr val="bg1"/>
+              </a:solidFill>
+              <a:latin typeface="x12y16pxMaruMonica" panose="02000000000000000000" pitchFamily="2" charset="-128"/>
+              <a:ea typeface="x12y16pxMaruMonica" panose="02000000000000000000" pitchFamily="2" charset="-128"/>
+            </a:endParaRPr>
+          </a:p>
+        </p:txBody>
+      </p:sp>
+      <p:sp>
+        <p:nvSpPr>
+          <p:cNvPr id="7" name="テキスト ボックス 6">
+            <a:extLst>
+              <a:ext uri="{FF2B5EF4-FFF2-40B4-BE49-F238E27FC236}">
+                <a16:creationId xmlns:a16="http://schemas.microsoft.com/office/drawing/2014/main" id="{78ECACB1-1AC1-4FC2-9CE2-C22C048C9EE1}"/>
+              </a:ext>
+            </a:extLst>
+          </p:cNvPr>
+          <p:cNvSpPr txBox="1"/>
+          <p:nvPr/>
+        </p:nvSpPr>
+        <p:spPr>
+          <a:xfrm rot="21119556">
+            <a:off x="1170896" y="1866020"/>
+            <a:ext cx="793858" cy="1107996"/>
+          </a:xfrm>
+          <a:prstGeom prst="rect">
+            <a:avLst/>
+          </a:prstGeom>
+          <a:noFill/>
+        </p:spPr>
+        <p:txBody>
+          <a:bodyPr wrap="square" rtlCol="0">
+            <a:spAutoFit/>
+          </a:bodyPr>
+          <a:lstStyle/>
+          <a:p>
+            <a:r>
+              <a:rPr lang="ja-JP" altLang="en-US" sz="6600" dirty="0">
+                <a:solidFill>
+                  <a:schemeClr val="bg1"/>
+                </a:solidFill>
+                <a:latin typeface="x12y16pxMaruMonica" panose="02000000000000000000" pitchFamily="2" charset="-128"/>
+                <a:ea typeface="x12y16pxMaruMonica" panose="02000000000000000000" pitchFamily="2" charset="-128"/>
+              </a:rPr>
+              <a:t>？</a:t>
+            </a:r>
+            <a:endParaRPr kumimoji="1" lang="ja-JP" altLang="en-US" sz="6600" dirty="0">
+              <a:solidFill>
+                <a:schemeClr val="bg1"/>
+              </a:solidFill>
+              <a:latin typeface="x12y16pxMaruMonica" panose="02000000000000000000" pitchFamily="2" charset="-128"/>
+              <a:ea typeface="x12y16pxMaruMonica" panose="02000000000000000000" pitchFamily="2" charset="-128"/>
+            </a:endParaRPr>
+          </a:p>
+        </p:txBody>
+      </p:sp>
+      <p:sp>
+        <p:nvSpPr>
+          <p:cNvPr id="8" name="吹き出し: 角を丸めた四角形 7">
+            <a:extLst>
+              <a:ext uri="{FF2B5EF4-FFF2-40B4-BE49-F238E27FC236}">
+                <a16:creationId xmlns:a16="http://schemas.microsoft.com/office/drawing/2014/main" id="{4569C1D7-2FB2-41AE-B1F6-845ACFDFFADC}"/>
+              </a:ext>
+            </a:extLst>
+          </p:cNvPr>
+          <p:cNvSpPr/>
+          <p:nvPr/>
+        </p:nvSpPr>
+        <p:spPr>
+          <a:xfrm>
+            <a:off x="2869706" y="2270584"/>
+            <a:ext cx="8998727" cy="1363030"/>
+          </a:xfrm>
+          <a:prstGeom prst="wedgeRoundRectCallout">
+            <a:avLst>
+              <a:gd name="adj1" fmla="val -51904"/>
+              <a:gd name="adj2" fmla="val 74909"/>
+              <a:gd name="adj3" fmla="val 16667"/>
+            </a:avLst>
+          </a:prstGeom>
+          <a:noFill/>
+          <a:ln>
+            <a:solidFill>
+              <a:schemeClr val="bg1"/>
+            </a:solidFill>
+          </a:ln>
+        </p:spPr>
+        <p:style>
+          <a:lnRef idx="2">
+            <a:schemeClr val="accent1">
+              <a:shade val="50000"/>
+            </a:schemeClr>
+          </a:lnRef>
+          <a:fillRef idx="1">
+            <a:schemeClr val="accent1"/>
+          </a:fillRef>
+          <a:effectRef idx="0">
+            <a:schemeClr val="accent1"/>
+          </a:effectRef>
+          <a:fontRef idx="minor">
+            <a:schemeClr val="lt1"/>
+          </a:fontRef>
+        </p:style>
+        <p:txBody>
+          <a:bodyPr rtlCol="0" anchor="ctr"/>
+          <a:lstStyle/>
+          <a:p>
+            <a:pPr algn="ctr"/>
+            <a:endParaRPr kumimoji="1" lang="ja-JP" altLang="en-US"/>
+          </a:p>
+        </p:txBody>
+      </p:sp>
+      <p:sp>
+        <p:nvSpPr>
+          <p:cNvPr id="9" name="テキスト ボックス 8">
+            <a:extLst>
+              <a:ext uri="{FF2B5EF4-FFF2-40B4-BE49-F238E27FC236}">
+                <a16:creationId xmlns:a16="http://schemas.microsoft.com/office/drawing/2014/main" id="{76E4E3BE-2D2A-43D8-903C-5B6D09240646}"/>
+              </a:ext>
+            </a:extLst>
+          </p:cNvPr>
+          <p:cNvSpPr txBox="1"/>
+          <p:nvPr/>
+        </p:nvSpPr>
+        <p:spPr>
+          <a:xfrm>
+            <a:off x="3182754" y="2657329"/>
+            <a:ext cx="8212077" cy="646331"/>
+          </a:xfrm>
+          <a:prstGeom prst="rect">
+            <a:avLst/>
+          </a:prstGeom>
+          <a:noFill/>
+        </p:spPr>
+        <p:txBody>
+          <a:bodyPr wrap="square" rtlCol="0">
+            <a:spAutoFit/>
+          </a:bodyPr>
+          <a:lstStyle/>
+          <a:p>
+            <a:r>
+              <a:rPr kumimoji="1" lang="ja-JP" altLang="en-US" sz="3600" dirty="0">
+                <a:solidFill>
+                  <a:schemeClr val="bg1"/>
+                </a:solidFill>
+                <a:latin typeface="x12y16pxMaruMonica" panose="02000000000000000000" pitchFamily="2" charset="-128"/>
+                <a:ea typeface="x12y16pxMaruMonica" panose="02000000000000000000" pitchFamily="2" charset="-128"/>
+              </a:rPr>
+              <a:t>じゃあどうやって強くなるの</a:t>
+            </a:r>
+            <a:r>
+              <a:rPr lang="ja-JP" altLang="en-US" sz="3600" dirty="0">
+                <a:solidFill>
+                  <a:schemeClr val="bg1"/>
+                </a:solidFill>
+                <a:latin typeface="x12y16pxMaruMonica" panose="02000000000000000000" pitchFamily="2" charset="-128"/>
+                <a:ea typeface="x12y16pxMaruMonica" panose="02000000000000000000" pitchFamily="2" charset="-128"/>
+              </a:rPr>
+              <a:t>さ</a:t>
+            </a:r>
+            <a:r>
+              <a:rPr kumimoji="1" lang="ja-JP" altLang="en-US" sz="3600" dirty="0">
+                <a:solidFill>
+                  <a:schemeClr val="bg1"/>
+                </a:solidFill>
+                <a:latin typeface="x12y16pxMaruMonica" panose="02000000000000000000" pitchFamily="2" charset="-128"/>
+                <a:ea typeface="x12y16pxMaruMonica" panose="02000000000000000000" pitchFamily="2" charset="-128"/>
+              </a:rPr>
+              <a:t>？</a:t>
+            </a:r>
+          </a:p>
+        </p:txBody>
+      </p:sp>
+      <p:sp>
+        <p:nvSpPr>
+          <p:cNvPr id="10" name="テキスト ボックス 9">
+            <a:extLst>
+              <a:ext uri="{FF2B5EF4-FFF2-40B4-BE49-F238E27FC236}">
+                <a16:creationId xmlns:a16="http://schemas.microsoft.com/office/drawing/2014/main" id="{DEFB9FFC-0D56-4D5E-BFA3-89D4C5A04531}"/>
+              </a:ext>
+            </a:extLst>
+          </p:cNvPr>
+          <p:cNvSpPr txBox="1"/>
+          <p:nvPr/>
+        </p:nvSpPr>
+        <p:spPr>
+          <a:xfrm>
+            <a:off x="650630" y="4131250"/>
+            <a:ext cx="8686800" cy="1200329"/>
+          </a:xfrm>
+          <a:prstGeom prst="rect">
+            <a:avLst/>
+          </a:prstGeom>
+          <a:noFill/>
+        </p:spPr>
+        <p:txBody>
+          <a:bodyPr wrap="square" rtlCol="0">
+            <a:spAutoFit/>
+          </a:bodyPr>
+          <a:lstStyle/>
+          <a:p>
+            <a:pPr algn="r"/>
+            <a:r>
+              <a:rPr kumimoji="1" lang="ja-JP" altLang="en-US" sz="3600" dirty="0">
+                <a:solidFill>
+                  <a:schemeClr val="bg1"/>
+                </a:solidFill>
+                <a:latin typeface="x12y16pxMaruMonica" panose="02000000000000000000" pitchFamily="2" charset="-128"/>
+                <a:ea typeface="x12y16pxMaruMonica" panose="02000000000000000000" pitchFamily="2" charset="-128"/>
+              </a:rPr>
+              <a:t>オイオイ</a:t>
+            </a:r>
+            <a:endParaRPr kumimoji="1" lang="en-US" altLang="ja-JP" sz="3600" dirty="0">
+              <a:solidFill>
+                <a:schemeClr val="bg1"/>
+              </a:solidFill>
+              <a:latin typeface="x12y16pxMaruMonica" panose="02000000000000000000" pitchFamily="2" charset="-128"/>
+              <a:ea typeface="x12y16pxMaruMonica" panose="02000000000000000000" pitchFamily="2" charset="-128"/>
+            </a:endParaRPr>
+          </a:p>
+          <a:p>
+            <a:pPr algn="r"/>
+            <a:r>
+              <a:rPr kumimoji="1" lang="ja-JP" altLang="en-US" sz="3600" dirty="0">
+                <a:solidFill>
+                  <a:schemeClr val="bg1"/>
+                </a:solidFill>
+                <a:latin typeface="x12y16pxMaruMonica" panose="02000000000000000000" pitchFamily="2" charset="-128"/>
+                <a:ea typeface="x12y16pxMaruMonica" panose="02000000000000000000" pitchFamily="2" charset="-128"/>
+              </a:rPr>
+              <a:t>倒さなきゃいけないなんて誰が決めた？</a:t>
+            </a:r>
+          </a:p>
+        </p:txBody>
+      </p:sp>
+      <p:pic>
+        <p:nvPicPr>
+          <p:cNvPr id="12" name="図 11">
+            <a:extLst>
+              <a:ext uri="{FF2B5EF4-FFF2-40B4-BE49-F238E27FC236}">
+                <a16:creationId xmlns:a16="http://schemas.microsoft.com/office/drawing/2014/main" id="{171EF28A-32E3-4FBC-8807-E0E30C107F07}"/>
+              </a:ext>
+            </a:extLst>
+          </p:cNvPr>
+          <p:cNvPicPr>
+            <a:picLocks noChangeAspect="1"/>
+          </p:cNvPicPr>
+          <p:nvPr/>
+        </p:nvPicPr>
+        <p:blipFill>
+          <a:blip r:embed="rId3">
+            <a:extLst>
+              <a:ext uri="{28A0092B-C50C-407E-A947-70E740481C1C}">
+                <a14:useLocalDpi xmlns:a14="http://schemas.microsoft.com/office/drawing/2010/main" val="0"/>
+              </a:ext>
+            </a:extLst>
+          </a:blip>
+          <a:stretch>
+            <a:fillRect/>
+          </a:stretch>
+        </p:blipFill>
+        <p:spPr>
+          <a:xfrm>
+            <a:off x="9284677" y="4020359"/>
+            <a:ext cx="2720156" cy="2617512"/>
+          </a:xfrm>
+          <a:prstGeom prst="rect">
+            <a:avLst/>
+          </a:prstGeom>
+        </p:spPr>
+      </p:pic>
+      <p:sp>
+        <p:nvSpPr>
+          <p:cNvPr id="13" name="吹き出し: 角を丸めた四角形 12">
+            <a:extLst>
+              <a:ext uri="{FF2B5EF4-FFF2-40B4-BE49-F238E27FC236}">
+                <a16:creationId xmlns:a16="http://schemas.microsoft.com/office/drawing/2014/main" id="{AC88594B-BF40-4441-9E0B-73058A802F0F}"/>
+              </a:ext>
+            </a:extLst>
+          </p:cNvPr>
+          <p:cNvSpPr/>
+          <p:nvPr/>
+        </p:nvSpPr>
+        <p:spPr>
+          <a:xfrm>
+            <a:off x="2854570" y="4131250"/>
+            <a:ext cx="6747896" cy="1378444"/>
+          </a:xfrm>
+          <a:prstGeom prst="wedgeRoundRectCallout">
+            <a:avLst>
+              <a:gd name="adj1" fmla="val 48746"/>
+              <a:gd name="adj2" fmla="val 71779"/>
+              <a:gd name="adj3" fmla="val 16667"/>
+            </a:avLst>
+          </a:prstGeom>
+          <a:noFill/>
+          <a:ln>
+            <a:solidFill>
+              <a:schemeClr val="bg1"/>
+            </a:solidFill>
+          </a:ln>
+        </p:spPr>
+        <p:style>
+          <a:lnRef idx="2">
+            <a:schemeClr val="accent1">
+              <a:shade val="50000"/>
+            </a:schemeClr>
+          </a:lnRef>
+          <a:fillRef idx="1">
+            <a:schemeClr val="accent1"/>
+          </a:fillRef>
+          <a:effectRef idx="0">
+            <a:schemeClr val="accent1"/>
+          </a:effectRef>
+          <a:fontRef idx="minor">
+            <a:schemeClr val="lt1"/>
+          </a:fontRef>
+        </p:style>
+        <p:txBody>
+          <a:bodyPr rtlCol="0" anchor="ctr"/>
+          <a:lstStyle/>
+          <a:p>
+            <a:pPr algn="ctr"/>
+            <a:endParaRPr kumimoji="1" lang="ja-JP" altLang="en-US"/>
           </a:p>
         </p:txBody>
       </p:sp>
@@ -3757,6 +4306,3021 @@
     <p:extLst>
       <p:ext uri="{BB962C8B-B14F-4D97-AF65-F5344CB8AC3E}">
         <p14:creationId xmlns:p14="http://schemas.microsoft.com/office/powerpoint/2010/main" val="2650010579"/>
+      </p:ext>
+    </p:extLst>
+  </p:cSld>
+  <p:clrMapOvr>
+    <a:masterClrMapping/>
+  </p:clrMapOvr>
+</p:sld>
+</file>
+
+<file path=ppt/slides/slide3.xml><?xml version="1.0" encoding="utf-8"?>
+<p:sld xmlns:a="http://schemas.openxmlformats.org/drawingml/2006/main" xmlns:r="http://schemas.openxmlformats.org/officeDocument/2006/relationships" xmlns:p="http://schemas.openxmlformats.org/presentationml/2006/main">
+  <p:cSld>
+    <p:bg>
+      <p:bgPr>
+        <a:solidFill>
+          <a:schemeClr val="tx1"/>
+        </a:solidFill>
+        <a:effectLst/>
+      </p:bgPr>
+    </p:bg>
+    <p:spTree>
+      <p:nvGrpSpPr>
+        <p:cNvPr id="1" name=""/>
+        <p:cNvGrpSpPr/>
+        <p:nvPr/>
+      </p:nvGrpSpPr>
+      <p:grpSpPr>
+        <a:xfrm>
+          <a:off x="0" y="0"/>
+          <a:ext cx="0" cy="0"/>
+          <a:chOff x="0" y="0"/>
+          <a:chExt cx="0" cy="0"/>
+        </a:xfrm>
+      </p:grpSpPr>
+      <p:pic>
+        <p:nvPicPr>
+          <p:cNvPr id="3" name="図 2">
+            <a:extLst>
+              <a:ext uri="{FF2B5EF4-FFF2-40B4-BE49-F238E27FC236}">
+                <a16:creationId xmlns:a16="http://schemas.microsoft.com/office/drawing/2014/main" id="{E1E39AD3-8AE0-4BE0-8CBD-AC59CD4C9699}"/>
+              </a:ext>
+            </a:extLst>
+          </p:cNvPr>
+          <p:cNvPicPr>
+            <a:picLocks noChangeAspect="1"/>
+          </p:cNvPicPr>
+          <p:nvPr/>
+        </p:nvPicPr>
+        <p:blipFill>
+          <a:blip r:embed="rId2">
+            <a:extLst>
+              <a:ext uri="{28A0092B-C50C-407E-A947-70E740481C1C}">
+                <a14:useLocalDpi xmlns:a14="http://schemas.microsoft.com/office/drawing/2010/main" val="0"/>
+              </a:ext>
+            </a:extLst>
+          </a:blip>
+          <a:stretch>
+            <a:fillRect/>
+          </a:stretch>
+        </p:blipFill>
+        <p:spPr>
+          <a:xfrm>
+            <a:off x="9137737" y="0"/>
+            <a:ext cx="3054263" cy="2939012"/>
+          </a:xfrm>
+          <a:prstGeom prst="rect">
+            <a:avLst/>
+          </a:prstGeom>
+        </p:spPr>
+      </p:pic>
+      <p:sp>
+        <p:nvSpPr>
+          <p:cNvPr id="4" name="吹き出し: 角を丸めた四角形 3">
+            <a:extLst>
+              <a:ext uri="{FF2B5EF4-FFF2-40B4-BE49-F238E27FC236}">
+                <a16:creationId xmlns:a16="http://schemas.microsoft.com/office/drawing/2014/main" id="{59599FD9-FC5A-40E2-A0FD-48B8BECA8630}"/>
+              </a:ext>
+            </a:extLst>
+          </p:cNvPr>
+          <p:cNvSpPr/>
+          <p:nvPr/>
+        </p:nvSpPr>
+        <p:spPr>
+          <a:xfrm>
+            <a:off x="3604846" y="21156"/>
+            <a:ext cx="5732585" cy="1512277"/>
+          </a:xfrm>
+          <a:prstGeom prst="wedgeRoundRectCallout">
+            <a:avLst>
+              <a:gd name="adj1" fmla="val 51253"/>
+              <a:gd name="adj2" fmla="val 63663"/>
+              <a:gd name="adj3" fmla="val 16667"/>
+            </a:avLst>
+          </a:prstGeom>
+          <a:noFill/>
+          <a:ln>
+            <a:solidFill>
+              <a:schemeClr val="bg1"/>
+            </a:solidFill>
+          </a:ln>
+        </p:spPr>
+        <p:style>
+          <a:lnRef idx="2">
+            <a:schemeClr val="accent1">
+              <a:shade val="50000"/>
+            </a:schemeClr>
+          </a:lnRef>
+          <a:fillRef idx="1">
+            <a:schemeClr val="accent1"/>
+          </a:fillRef>
+          <a:effectRef idx="0">
+            <a:schemeClr val="accent1"/>
+          </a:effectRef>
+          <a:fontRef idx="minor">
+            <a:schemeClr val="lt1"/>
+          </a:fontRef>
+        </p:style>
+        <p:txBody>
+          <a:bodyPr rtlCol="0" anchor="ctr"/>
+          <a:lstStyle/>
+          <a:p>
+            <a:pPr algn="ctr"/>
+            <a:endParaRPr kumimoji="1" lang="ja-JP" altLang="en-US"/>
+          </a:p>
+        </p:txBody>
+      </p:sp>
+      <p:sp>
+        <p:nvSpPr>
+          <p:cNvPr id="5" name="テキスト ボックス 4">
+            <a:extLst>
+              <a:ext uri="{FF2B5EF4-FFF2-40B4-BE49-F238E27FC236}">
+                <a16:creationId xmlns:a16="http://schemas.microsoft.com/office/drawing/2014/main" id="{DAE330ED-0461-497D-84E6-F0CB9B1690C0}"/>
+              </a:ext>
+            </a:extLst>
+          </p:cNvPr>
+          <p:cNvSpPr txBox="1"/>
+          <p:nvPr/>
+        </p:nvSpPr>
+        <p:spPr>
+          <a:xfrm>
+            <a:off x="3903785" y="197002"/>
+            <a:ext cx="4783015" cy="1200329"/>
+          </a:xfrm>
+          <a:prstGeom prst="rect">
+            <a:avLst/>
+          </a:prstGeom>
+          <a:noFill/>
+        </p:spPr>
+        <p:txBody>
+          <a:bodyPr wrap="square" rtlCol="0">
+            <a:spAutoFit/>
+          </a:bodyPr>
+          <a:lstStyle/>
+          <a:p>
+            <a:r>
+              <a:rPr kumimoji="1" lang="ja-JP" altLang="en-US" sz="3600" dirty="0">
+                <a:solidFill>
+                  <a:schemeClr val="bg1"/>
+                </a:solidFill>
+                <a:latin typeface="x12y16pxMaruMonica" panose="02000000000000000000" pitchFamily="2" charset="-128"/>
+                <a:ea typeface="x12y16pxMaruMonica" panose="02000000000000000000" pitchFamily="2" charset="-128"/>
+              </a:rPr>
+              <a:t>もちろんただの言葉だけではでは信用してくれないだろう</a:t>
+            </a:r>
+          </a:p>
+        </p:txBody>
+      </p:sp>
+      <p:sp>
+        <p:nvSpPr>
+          <p:cNvPr id="6" name="吹き出し: 角を丸めた四角形 5">
+            <a:extLst>
+              <a:ext uri="{FF2B5EF4-FFF2-40B4-BE49-F238E27FC236}">
+                <a16:creationId xmlns:a16="http://schemas.microsoft.com/office/drawing/2014/main" id="{CDE84585-1431-4579-A354-56118D4DAD4B}"/>
+              </a:ext>
+            </a:extLst>
+          </p:cNvPr>
+          <p:cNvSpPr/>
+          <p:nvPr/>
+        </p:nvSpPr>
+        <p:spPr>
+          <a:xfrm>
+            <a:off x="3604846" y="2250925"/>
+            <a:ext cx="5732585" cy="1512277"/>
+          </a:xfrm>
+          <a:prstGeom prst="wedgeRoundRectCallout">
+            <a:avLst>
+              <a:gd name="adj1" fmla="val 52480"/>
+              <a:gd name="adj2" fmla="val -72384"/>
+              <a:gd name="adj3" fmla="val 16667"/>
+            </a:avLst>
+          </a:prstGeom>
+          <a:noFill/>
+          <a:ln>
+            <a:solidFill>
+              <a:schemeClr val="bg1"/>
+            </a:solidFill>
+          </a:ln>
+        </p:spPr>
+        <p:style>
+          <a:lnRef idx="2">
+            <a:schemeClr val="accent1">
+              <a:shade val="50000"/>
+            </a:schemeClr>
+          </a:lnRef>
+          <a:fillRef idx="1">
+            <a:schemeClr val="accent1"/>
+          </a:fillRef>
+          <a:effectRef idx="0">
+            <a:schemeClr val="accent1"/>
+          </a:effectRef>
+          <a:fontRef idx="minor">
+            <a:schemeClr val="lt1"/>
+          </a:fontRef>
+        </p:style>
+        <p:txBody>
+          <a:bodyPr rtlCol="0" anchor="ctr"/>
+          <a:lstStyle/>
+          <a:p>
+            <a:pPr algn="ctr"/>
+            <a:endParaRPr kumimoji="1" lang="ja-JP" altLang="en-US"/>
+          </a:p>
+        </p:txBody>
+      </p:sp>
+      <p:sp>
+        <p:nvSpPr>
+          <p:cNvPr id="7" name="テキスト ボックス 6">
+            <a:extLst>
+              <a:ext uri="{FF2B5EF4-FFF2-40B4-BE49-F238E27FC236}">
+                <a16:creationId xmlns:a16="http://schemas.microsoft.com/office/drawing/2014/main" id="{83770B89-BB46-4A68-B4B6-658600D87B28}"/>
+              </a:ext>
+            </a:extLst>
+          </p:cNvPr>
+          <p:cNvSpPr txBox="1"/>
+          <p:nvPr/>
+        </p:nvSpPr>
+        <p:spPr>
+          <a:xfrm>
+            <a:off x="3903785" y="2426771"/>
+            <a:ext cx="4783015" cy="1200329"/>
+          </a:xfrm>
+          <a:prstGeom prst="rect">
+            <a:avLst/>
+          </a:prstGeom>
+          <a:noFill/>
+        </p:spPr>
+        <p:txBody>
+          <a:bodyPr wrap="square" rtlCol="0">
+            <a:spAutoFit/>
+          </a:bodyPr>
+          <a:lstStyle/>
+          <a:p>
+            <a:r>
+              <a:rPr kumimoji="1" lang="ja-JP" altLang="en-US" sz="3600" dirty="0">
+                <a:solidFill>
+                  <a:schemeClr val="bg1"/>
+                </a:solidFill>
+                <a:latin typeface="x12y16pxMaruMonica" panose="02000000000000000000" pitchFamily="2" charset="-128"/>
+                <a:ea typeface="x12y16pxMaruMonica" panose="02000000000000000000" pitchFamily="2" charset="-128"/>
+              </a:rPr>
+              <a:t>だが、「こうどう」をすれば信じてもらえるぜ？</a:t>
+            </a:r>
+          </a:p>
+        </p:txBody>
+      </p:sp>
+      <p:pic>
+        <p:nvPicPr>
+          <p:cNvPr id="9" name="図 8">
+            <a:extLst>
+              <a:ext uri="{FF2B5EF4-FFF2-40B4-BE49-F238E27FC236}">
+                <a16:creationId xmlns:a16="http://schemas.microsoft.com/office/drawing/2014/main" id="{D1B378FC-04FB-4417-A600-9E28DBF19E44}"/>
+              </a:ext>
+            </a:extLst>
+          </p:cNvPr>
+          <p:cNvPicPr>
+            <a:picLocks noChangeAspect="1"/>
+          </p:cNvPicPr>
+          <p:nvPr/>
+        </p:nvPicPr>
+        <p:blipFill>
+          <a:blip r:embed="rId3">
+            <a:extLst>
+              <a:ext uri="{28A0092B-C50C-407E-A947-70E740481C1C}">
+                <a14:useLocalDpi xmlns:a14="http://schemas.microsoft.com/office/drawing/2010/main" val="0"/>
+              </a:ext>
+            </a:extLst>
+          </a:blip>
+          <a:stretch>
+            <a:fillRect/>
+          </a:stretch>
+        </p:blipFill>
+        <p:spPr>
+          <a:xfrm>
+            <a:off x="350170" y="892019"/>
+            <a:ext cx="2434059" cy="2839733"/>
+          </a:xfrm>
+          <a:prstGeom prst="rect">
+            <a:avLst/>
+          </a:prstGeom>
+        </p:spPr>
+      </p:pic>
+      <p:sp>
+        <p:nvSpPr>
+          <p:cNvPr id="10" name="吹き出し: 角を丸めた四角形 9">
+            <a:extLst>
+              <a:ext uri="{FF2B5EF4-FFF2-40B4-BE49-F238E27FC236}">
+                <a16:creationId xmlns:a16="http://schemas.microsoft.com/office/drawing/2014/main" id="{B2E13384-D481-476C-A562-BC3FA155384D}"/>
+              </a:ext>
+            </a:extLst>
+          </p:cNvPr>
+          <p:cNvSpPr/>
+          <p:nvPr/>
+        </p:nvSpPr>
+        <p:spPr>
+          <a:xfrm>
+            <a:off x="2579077" y="4091448"/>
+            <a:ext cx="5732585" cy="1512277"/>
+          </a:xfrm>
+          <a:prstGeom prst="wedgeRoundRectCallout">
+            <a:avLst>
+              <a:gd name="adj1" fmla="val -52735"/>
+              <a:gd name="adj2" fmla="val -80524"/>
+              <a:gd name="adj3" fmla="val 16667"/>
+            </a:avLst>
+          </a:prstGeom>
+          <a:noFill/>
+          <a:ln>
+            <a:solidFill>
+              <a:schemeClr val="bg1"/>
+            </a:solidFill>
+          </a:ln>
+        </p:spPr>
+        <p:style>
+          <a:lnRef idx="2">
+            <a:schemeClr val="accent1">
+              <a:shade val="50000"/>
+            </a:schemeClr>
+          </a:lnRef>
+          <a:fillRef idx="1">
+            <a:schemeClr val="accent1"/>
+          </a:fillRef>
+          <a:effectRef idx="0">
+            <a:schemeClr val="accent1"/>
+          </a:effectRef>
+          <a:fontRef idx="minor">
+            <a:schemeClr val="lt1"/>
+          </a:fontRef>
+        </p:style>
+        <p:txBody>
+          <a:bodyPr rtlCol="0" anchor="ctr"/>
+          <a:lstStyle/>
+          <a:p>
+            <a:pPr algn="ctr"/>
+            <a:endParaRPr kumimoji="1" lang="ja-JP" altLang="en-US"/>
+          </a:p>
+        </p:txBody>
+      </p:sp>
+      <p:sp>
+        <p:nvSpPr>
+          <p:cNvPr id="11" name="テキスト ボックス 10">
+            <a:extLst>
+              <a:ext uri="{FF2B5EF4-FFF2-40B4-BE49-F238E27FC236}">
+                <a16:creationId xmlns:a16="http://schemas.microsoft.com/office/drawing/2014/main" id="{AB9A9E97-D920-4923-99E1-35DF0D327E8E}"/>
+              </a:ext>
+            </a:extLst>
+          </p:cNvPr>
+          <p:cNvSpPr txBox="1"/>
+          <p:nvPr/>
+        </p:nvSpPr>
+        <p:spPr>
+          <a:xfrm>
+            <a:off x="2878016" y="4267294"/>
+            <a:ext cx="4783015" cy="1200329"/>
+          </a:xfrm>
+          <a:prstGeom prst="rect">
+            <a:avLst/>
+          </a:prstGeom>
+          <a:noFill/>
+        </p:spPr>
+        <p:txBody>
+          <a:bodyPr wrap="square" rtlCol="0">
+            <a:spAutoFit/>
+          </a:bodyPr>
+          <a:lstStyle/>
+          <a:p>
+            <a:r>
+              <a:rPr kumimoji="1" lang="ja-JP" altLang="en-US" sz="3600" dirty="0">
+                <a:solidFill>
+                  <a:schemeClr val="bg1"/>
+                </a:solidFill>
+                <a:latin typeface="x12y16pxMaruMonica" panose="02000000000000000000" pitchFamily="2" charset="-128"/>
+                <a:ea typeface="x12y16pxMaruMonica" panose="02000000000000000000" pitchFamily="2" charset="-128"/>
+              </a:rPr>
+              <a:t>「こうどう」って具体的になんなんだ？</a:t>
+            </a:r>
+          </a:p>
+        </p:txBody>
+      </p:sp>
+    </p:spTree>
+    <p:extLst>
+      <p:ext uri="{BB962C8B-B14F-4D97-AF65-F5344CB8AC3E}">
+        <p14:creationId xmlns:p14="http://schemas.microsoft.com/office/powerpoint/2010/main" val="1172369011"/>
+      </p:ext>
+    </p:extLst>
+  </p:cSld>
+  <p:clrMapOvr>
+    <a:masterClrMapping/>
+  </p:clrMapOvr>
+</p:sld>
+</file>
+
+<file path=ppt/slides/slide4.xml><?xml version="1.0" encoding="utf-8"?>
+<p:sld xmlns:a="http://schemas.openxmlformats.org/drawingml/2006/main" xmlns:r="http://schemas.openxmlformats.org/officeDocument/2006/relationships" xmlns:p="http://schemas.openxmlformats.org/presentationml/2006/main">
+  <p:cSld>
+    <p:bg>
+      <p:bgPr>
+        <a:solidFill>
+          <a:schemeClr val="tx1"/>
+        </a:solidFill>
+        <a:effectLst/>
+      </p:bgPr>
+    </p:bg>
+    <p:spTree>
+      <p:nvGrpSpPr>
+        <p:cNvPr id="1" name=""/>
+        <p:cNvGrpSpPr/>
+        <p:nvPr/>
+      </p:nvGrpSpPr>
+      <p:grpSpPr>
+        <a:xfrm>
+          <a:off x="0" y="0"/>
+          <a:ext cx="0" cy="0"/>
+          <a:chOff x="0" y="0"/>
+          <a:chExt cx="0" cy="0"/>
+        </a:xfrm>
+      </p:grpSpPr>
+      <p:pic>
+        <p:nvPicPr>
+          <p:cNvPr id="3" name="図 2">
+            <a:extLst>
+              <a:ext uri="{FF2B5EF4-FFF2-40B4-BE49-F238E27FC236}">
+                <a16:creationId xmlns:a16="http://schemas.microsoft.com/office/drawing/2014/main" id="{E1E39AD3-8AE0-4BE0-8CBD-AC59CD4C9699}"/>
+              </a:ext>
+            </a:extLst>
+          </p:cNvPr>
+          <p:cNvPicPr>
+            <a:picLocks noChangeAspect="1"/>
+          </p:cNvPicPr>
+          <p:nvPr/>
+        </p:nvPicPr>
+        <p:blipFill>
+          <a:blip r:embed="rId2">
+            <a:extLst>
+              <a:ext uri="{28A0092B-C50C-407E-A947-70E740481C1C}">
+                <a14:useLocalDpi xmlns:a14="http://schemas.microsoft.com/office/drawing/2010/main" val="0"/>
+              </a:ext>
+            </a:extLst>
+          </a:blip>
+          <a:stretch>
+            <a:fillRect/>
+          </a:stretch>
+        </p:blipFill>
+        <p:spPr>
+          <a:xfrm>
+            <a:off x="9132279" y="1965996"/>
+            <a:ext cx="3054263" cy="2939012"/>
+          </a:xfrm>
+          <a:prstGeom prst="rect">
+            <a:avLst/>
+          </a:prstGeom>
+        </p:spPr>
+      </p:pic>
+      <p:sp>
+        <p:nvSpPr>
+          <p:cNvPr id="4" name="吹き出し: 角を丸めた四角形 3">
+            <a:extLst>
+              <a:ext uri="{FF2B5EF4-FFF2-40B4-BE49-F238E27FC236}">
+                <a16:creationId xmlns:a16="http://schemas.microsoft.com/office/drawing/2014/main" id="{59599FD9-FC5A-40E2-A0FD-48B8BECA8630}"/>
+              </a:ext>
+            </a:extLst>
+          </p:cNvPr>
+          <p:cNvSpPr/>
+          <p:nvPr/>
+        </p:nvSpPr>
+        <p:spPr>
+          <a:xfrm>
+            <a:off x="3604846" y="21156"/>
+            <a:ext cx="5732585" cy="2939012"/>
+          </a:xfrm>
+          <a:prstGeom prst="wedgeRoundRectCallout">
+            <a:avLst>
+              <a:gd name="adj1" fmla="val 51253"/>
+              <a:gd name="adj2" fmla="val 63663"/>
+              <a:gd name="adj3" fmla="val 16667"/>
+            </a:avLst>
+          </a:prstGeom>
+          <a:noFill/>
+          <a:ln>
+            <a:solidFill>
+              <a:schemeClr val="bg1"/>
+            </a:solidFill>
+          </a:ln>
+        </p:spPr>
+        <p:style>
+          <a:lnRef idx="2">
+            <a:schemeClr val="accent1">
+              <a:shade val="50000"/>
+            </a:schemeClr>
+          </a:lnRef>
+          <a:fillRef idx="1">
+            <a:schemeClr val="accent1"/>
+          </a:fillRef>
+          <a:effectRef idx="0">
+            <a:schemeClr val="accent1"/>
+          </a:effectRef>
+          <a:fontRef idx="minor">
+            <a:schemeClr val="lt1"/>
+          </a:fontRef>
+        </p:style>
+        <p:txBody>
+          <a:bodyPr rtlCol="0" anchor="ctr"/>
+          <a:lstStyle/>
+          <a:p>
+            <a:pPr algn="ctr"/>
+            <a:endParaRPr kumimoji="1" lang="ja-JP" altLang="en-US"/>
+          </a:p>
+        </p:txBody>
+      </p:sp>
+      <p:sp>
+        <p:nvSpPr>
+          <p:cNvPr id="5" name="テキスト ボックス 4">
+            <a:extLst>
+              <a:ext uri="{FF2B5EF4-FFF2-40B4-BE49-F238E27FC236}">
+                <a16:creationId xmlns:a16="http://schemas.microsoft.com/office/drawing/2014/main" id="{DAE330ED-0461-497D-84E6-F0CB9B1690C0}"/>
+              </a:ext>
+            </a:extLst>
+          </p:cNvPr>
+          <p:cNvSpPr txBox="1"/>
+          <p:nvPr/>
+        </p:nvSpPr>
+        <p:spPr>
+          <a:xfrm>
+            <a:off x="3903785" y="197002"/>
+            <a:ext cx="4783015" cy="2308324"/>
+          </a:xfrm>
+          <a:prstGeom prst="rect">
+            <a:avLst/>
+          </a:prstGeom>
+          <a:noFill/>
+        </p:spPr>
+        <p:txBody>
+          <a:bodyPr wrap="square" rtlCol="0">
+            <a:spAutoFit/>
+          </a:bodyPr>
+          <a:lstStyle/>
+          <a:p>
+            <a:r>
+              <a:rPr kumimoji="1" lang="ja-JP" altLang="en-US" sz="3600" dirty="0">
+                <a:solidFill>
+                  <a:schemeClr val="bg1"/>
+                </a:solidFill>
+                <a:latin typeface="x12y16pxMaruMonica" panose="02000000000000000000" pitchFamily="2" charset="-128"/>
+                <a:ea typeface="x12y16pxMaruMonica" panose="02000000000000000000" pitchFamily="2" charset="-128"/>
+              </a:rPr>
+              <a:t>モンスターごとに好きなこと、嫌いなことがあるから、まずは「しらべる」で相手のことを知るといい</a:t>
+            </a:r>
+          </a:p>
+        </p:txBody>
+      </p:sp>
+      <p:pic>
+        <p:nvPicPr>
+          <p:cNvPr id="9" name="図 8">
+            <a:extLst>
+              <a:ext uri="{FF2B5EF4-FFF2-40B4-BE49-F238E27FC236}">
+                <a16:creationId xmlns:a16="http://schemas.microsoft.com/office/drawing/2014/main" id="{D1B378FC-04FB-4417-A600-9E28DBF19E44}"/>
+              </a:ext>
+            </a:extLst>
+          </p:cNvPr>
+          <p:cNvPicPr>
+            <a:picLocks noChangeAspect="1"/>
+          </p:cNvPicPr>
+          <p:nvPr/>
+        </p:nvPicPr>
+        <p:blipFill>
+          <a:blip r:embed="rId3">
+            <a:extLst>
+              <a:ext uri="{28A0092B-C50C-407E-A947-70E740481C1C}">
+                <a14:useLocalDpi xmlns:a14="http://schemas.microsoft.com/office/drawing/2010/main" val="0"/>
+              </a:ext>
+            </a:extLst>
+          </a:blip>
+          <a:stretch>
+            <a:fillRect/>
+          </a:stretch>
+        </p:blipFill>
+        <p:spPr>
+          <a:xfrm>
+            <a:off x="350170" y="892019"/>
+            <a:ext cx="2434059" cy="2839733"/>
+          </a:xfrm>
+          <a:prstGeom prst="rect">
+            <a:avLst/>
+          </a:prstGeom>
+        </p:spPr>
+      </p:pic>
+      <p:sp>
+        <p:nvSpPr>
+          <p:cNvPr id="10" name="吹き出し: 角を丸めた四角形 9">
+            <a:extLst>
+              <a:ext uri="{FF2B5EF4-FFF2-40B4-BE49-F238E27FC236}">
+                <a16:creationId xmlns:a16="http://schemas.microsoft.com/office/drawing/2014/main" id="{B2E13384-D481-476C-A562-BC3FA155384D}"/>
+              </a:ext>
+            </a:extLst>
+          </p:cNvPr>
+          <p:cNvSpPr/>
+          <p:nvPr/>
+        </p:nvSpPr>
+        <p:spPr>
+          <a:xfrm>
+            <a:off x="2579077" y="4091448"/>
+            <a:ext cx="5732585" cy="2569550"/>
+          </a:xfrm>
+          <a:prstGeom prst="wedgeRoundRectCallout">
+            <a:avLst>
+              <a:gd name="adj1" fmla="val -52735"/>
+              <a:gd name="adj2" fmla="val -80524"/>
+              <a:gd name="adj3" fmla="val 16667"/>
+            </a:avLst>
+          </a:prstGeom>
+          <a:noFill/>
+          <a:ln>
+            <a:solidFill>
+              <a:schemeClr val="bg1"/>
+            </a:solidFill>
+          </a:ln>
+        </p:spPr>
+        <p:style>
+          <a:lnRef idx="2">
+            <a:schemeClr val="accent1">
+              <a:shade val="50000"/>
+            </a:schemeClr>
+          </a:lnRef>
+          <a:fillRef idx="1">
+            <a:schemeClr val="accent1"/>
+          </a:fillRef>
+          <a:effectRef idx="0">
+            <a:schemeClr val="accent1"/>
+          </a:effectRef>
+          <a:fontRef idx="minor">
+            <a:schemeClr val="lt1"/>
+          </a:fontRef>
+        </p:style>
+        <p:txBody>
+          <a:bodyPr rtlCol="0" anchor="ctr"/>
+          <a:lstStyle/>
+          <a:p>
+            <a:pPr algn="ctr"/>
+            <a:endParaRPr kumimoji="1" lang="ja-JP" altLang="en-US"/>
+          </a:p>
+        </p:txBody>
+      </p:sp>
+      <p:sp>
+        <p:nvSpPr>
+          <p:cNvPr id="11" name="テキスト ボックス 10">
+            <a:extLst>
+              <a:ext uri="{FF2B5EF4-FFF2-40B4-BE49-F238E27FC236}">
+                <a16:creationId xmlns:a16="http://schemas.microsoft.com/office/drawing/2014/main" id="{AB9A9E97-D920-4923-99E1-35DF0D327E8E}"/>
+              </a:ext>
+            </a:extLst>
+          </p:cNvPr>
+          <p:cNvSpPr txBox="1"/>
+          <p:nvPr/>
+        </p:nvSpPr>
+        <p:spPr>
+          <a:xfrm>
+            <a:off x="2878016" y="4267294"/>
+            <a:ext cx="4783015" cy="1754326"/>
+          </a:xfrm>
+          <a:prstGeom prst="rect">
+            <a:avLst/>
+          </a:prstGeom>
+          <a:noFill/>
+        </p:spPr>
+        <p:txBody>
+          <a:bodyPr wrap="square" rtlCol="0">
+            <a:spAutoFit/>
+          </a:bodyPr>
+          <a:lstStyle/>
+          <a:p>
+            <a:r>
+              <a:rPr kumimoji="1" lang="ja-JP" altLang="en-US" sz="3600" dirty="0">
+                <a:solidFill>
+                  <a:schemeClr val="bg1"/>
+                </a:solidFill>
+                <a:latin typeface="x12y16pxMaruMonica" panose="02000000000000000000" pitchFamily="2" charset="-128"/>
+                <a:ea typeface="x12y16pxMaruMonica" panose="02000000000000000000" pitchFamily="2" charset="-128"/>
+              </a:rPr>
+              <a:t>なるほど</a:t>
+            </a:r>
+            <a:r>
+              <a:rPr kumimoji="1" lang="en-US" altLang="ja-JP" sz="3600" dirty="0">
+                <a:solidFill>
+                  <a:schemeClr val="bg1"/>
+                </a:solidFill>
+                <a:latin typeface="x12y16pxMaruMonica" panose="02000000000000000000" pitchFamily="2" charset="-128"/>
+                <a:ea typeface="x12y16pxMaruMonica" panose="02000000000000000000" pitchFamily="2" charset="-128"/>
+              </a:rPr>
+              <a:t>!!</a:t>
+            </a:r>
+          </a:p>
+          <a:p>
+            <a:r>
+              <a:rPr lang="ja-JP" altLang="en-US" sz="3600" dirty="0">
+                <a:solidFill>
+                  <a:schemeClr val="bg1"/>
+                </a:solidFill>
+                <a:latin typeface="x12y16pxMaruMonica" panose="02000000000000000000" pitchFamily="2" charset="-128"/>
+                <a:ea typeface="x12y16pxMaruMonica" panose="02000000000000000000" pitchFamily="2" charset="-128"/>
+              </a:rPr>
+              <a:t>つまり、相手のことを知れば仲良くできるということか</a:t>
+            </a:r>
+            <a:r>
+              <a:rPr lang="en-US" altLang="ja-JP" sz="3600" dirty="0">
+                <a:solidFill>
+                  <a:schemeClr val="bg1"/>
+                </a:solidFill>
+                <a:latin typeface="x12y16pxMaruMonica" panose="02000000000000000000" pitchFamily="2" charset="-128"/>
+                <a:ea typeface="x12y16pxMaruMonica" panose="02000000000000000000" pitchFamily="2" charset="-128"/>
+              </a:rPr>
+              <a:t>⁉</a:t>
+            </a:r>
+            <a:endParaRPr kumimoji="1" lang="ja-JP" altLang="en-US" sz="3600" dirty="0">
+              <a:solidFill>
+                <a:schemeClr val="bg1"/>
+              </a:solidFill>
+              <a:latin typeface="x12y16pxMaruMonica" panose="02000000000000000000" pitchFamily="2" charset="-128"/>
+              <a:ea typeface="x12y16pxMaruMonica" panose="02000000000000000000" pitchFamily="2" charset="-128"/>
+            </a:endParaRPr>
+          </a:p>
+        </p:txBody>
+      </p:sp>
+      <p:sp>
+        <p:nvSpPr>
+          <p:cNvPr id="2" name="テキスト ボックス 1">
+            <a:extLst>
+              <a:ext uri="{FF2B5EF4-FFF2-40B4-BE49-F238E27FC236}">
+                <a16:creationId xmlns:a16="http://schemas.microsoft.com/office/drawing/2014/main" id="{44962CBA-7CA6-4DBB-BCE0-5E96C72D5A45}"/>
+              </a:ext>
+            </a:extLst>
+          </p:cNvPr>
+          <p:cNvSpPr txBox="1"/>
+          <p:nvPr/>
+        </p:nvSpPr>
+        <p:spPr>
+          <a:xfrm>
+            <a:off x="2092569" y="69880"/>
+            <a:ext cx="973015" cy="1446550"/>
+          </a:xfrm>
+          <a:prstGeom prst="rect">
+            <a:avLst/>
+          </a:prstGeom>
+          <a:noFill/>
+        </p:spPr>
+        <p:txBody>
+          <a:bodyPr wrap="square" rtlCol="0">
+            <a:spAutoFit/>
+          </a:bodyPr>
+          <a:lstStyle/>
+          <a:p>
+            <a:r>
+              <a:rPr kumimoji="1" lang="en-US" altLang="ja-JP" sz="8800" dirty="0">
+                <a:solidFill>
+                  <a:schemeClr val="bg1"/>
+                </a:solidFill>
+                <a:latin typeface="x12y16pxMaruMonica" panose="02000000000000000000" pitchFamily="2" charset="-128"/>
+                <a:ea typeface="x12y16pxMaruMonica" panose="02000000000000000000" pitchFamily="2" charset="-128"/>
+              </a:rPr>
+              <a:t>!!</a:t>
+            </a:r>
+            <a:endParaRPr kumimoji="1" lang="ja-JP" altLang="en-US" sz="8800" dirty="0">
+              <a:solidFill>
+                <a:schemeClr val="bg1"/>
+              </a:solidFill>
+              <a:latin typeface="x12y16pxMaruMonica" panose="02000000000000000000" pitchFamily="2" charset="-128"/>
+              <a:ea typeface="x12y16pxMaruMonica" panose="02000000000000000000" pitchFamily="2" charset="-128"/>
+            </a:endParaRPr>
+          </a:p>
+        </p:txBody>
+      </p:sp>
+    </p:spTree>
+    <p:extLst>
+      <p:ext uri="{BB962C8B-B14F-4D97-AF65-F5344CB8AC3E}">
+        <p14:creationId xmlns:p14="http://schemas.microsoft.com/office/powerpoint/2010/main" val="3930985435"/>
+      </p:ext>
+    </p:extLst>
+  </p:cSld>
+  <p:clrMapOvr>
+    <a:masterClrMapping/>
+  </p:clrMapOvr>
+</p:sld>
+</file>
+
+<file path=ppt/slides/slide5.xml><?xml version="1.0" encoding="utf-8"?>
+<p:sld xmlns:a="http://schemas.openxmlformats.org/drawingml/2006/main" xmlns:r="http://schemas.openxmlformats.org/officeDocument/2006/relationships" xmlns:p="http://schemas.openxmlformats.org/presentationml/2006/main">
+  <p:cSld>
+    <p:bg>
+      <p:bgPr>
+        <a:solidFill>
+          <a:schemeClr val="tx1"/>
+        </a:solidFill>
+        <a:effectLst/>
+      </p:bgPr>
+    </p:bg>
+    <p:spTree>
+      <p:nvGrpSpPr>
+        <p:cNvPr id="1" name=""/>
+        <p:cNvGrpSpPr/>
+        <p:nvPr/>
+      </p:nvGrpSpPr>
+      <p:grpSpPr>
+        <a:xfrm>
+          <a:off x="0" y="0"/>
+          <a:ext cx="0" cy="0"/>
+          <a:chOff x="0" y="0"/>
+          <a:chExt cx="0" cy="0"/>
+        </a:xfrm>
+      </p:grpSpPr>
+      <p:sp>
+        <p:nvSpPr>
+          <p:cNvPr id="4" name="吹き出し: 角を丸めた四角形 3">
+            <a:extLst>
+              <a:ext uri="{FF2B5EF4-FFF2-40B4-BE49-F238E27FC236}">
+                <a16:creationId xmlns:a16="http://schemas.microsoft.com/office/drawing/2014/main" id="{59599FD9-FC5A-40E2-A0FD-48B8BECA8630}"/>
+              </a:ext>
+            </a:extLst>
+          </p:cNvPr>
+          <p:cNvSpPr/>
+          <p:nvPr/>
+        </p:nvSpPr>
+        <p:spPr>
+          <a:xfrm>
+            <a:off x="3604846" y="21156"/>
+            <a:ext cx="5732585" cy="2939012"/>
+          </a:xfrm>
+          <a:prstGeom prst="wedgeRoundRectCallout">
+            <a:avLst>
+              <a:gd name="adj1" fmla="val 51253"/>
+              <a:gd name="adj2" fmla="val 63663"/>
+              <a:gd name="adj3" fmla="val 16667"/>
+            </a:avLst>
+          </a:prstGeom>
+          <a:noFill/>
+          <a:ln>
+            <a:solidFill>
+              <a:schemeClr val="bg1"/>
+            </a:solidFill>
+          </a:ln>
+        </p:spPr>
+        <p:style>
+          <a:lnRef idx="2">
+            <a:schemeClr val="accent1">
+              <a:shade val="50000"/>
+            </a:schemeClr>
+          </a:lnRef>
+          <a:fillRef idx="1">
+            <a:schemeClr val="accent1"/>
+          </a:fillRef>
+          <a:effectRef idx="0">
+            <a:schemeClr val="accent1"/>
+          </a:effectRef>
+          <a:fontRef idx="minor">
+            <a:schemeClr val="lt1"/>
+          </a:fontRef>
+        </p:style>
+        <p:txBody>
+          <a:bodyPr rtlCol="0" anchor="ctr"/>
+          <a:lstStyle/>
+          <a:p>
+            <a:pPr algn="ctr"/>
+            <a:endParaRPr kumimoji="1" lang="ja-JP" altLang="en-US"/>
+          </a:p>
+        </p:txBody>
+      </p:sp>
+      <p:sp>
+        <p:nvSpPr>
+          <p:cNvPr id="5" name="テキスト ボックス 4">
+            <a:extLst>
+              <a:ext uri="{FF2B5EF4-FFF2-40B4-BE49-F238E27FC236}">
+                <a16:creationId xmlns:a16="http://schemas.microsoft.com/office/drawing/2014/main" id="{DAE330ED-0461-497D-84E6-F0CB9B1690C0}"/>
+              </a:ext>
+            </a:extLst>
+          </p:cNvPr>
+          <p:cNvSpPr txBox="1"/>
+          <p:nvPr/>
+        </p:nvSpPr>
+        <p:spPr>
+          <a:xfrm>
+            <a:off x="3903785" y="197002"/>
+            <a:ext cx="4783015" cy="2308324"/>
+          </a:xfrm>
+          <a:prstGeom prst="rect">
+            <a:avLst/>
+          </a:prstGeom>
+          <a:noFill/>
+        </p:spPr>
+        <p:txBody>
+          <a:bodyPr wrap="square" rtlCol="0">
+            <a:spAutoFit/>
+          </a:bodyPr>
+          <a:lstStyle/>
+          <a:p>
+            <a:r>
+              <a:rPr kumimoji="1" lang="ja-JP" altLang="en-US" sz="3600" dirty="0">
+                <a:solidFill>
+                  <a:schemeClr val="bg1"/>
+                </a:solidFill>
+                <a:latin typeface="x12y16pxMaruMonica" panose="02000000000000000000" pitchFamily="2" charset="-128"/>
+                <a:ea typeface="x12y16pxMaruMonica" panose="02000000000000000000" pitchFamily="2" charset="-128"/>
+              </a:rPr>
+              <a:t>だが全てのモンスターが友好的とは限らないから注意だ。</a:t>
+            </a:r>
+            <a:endParaRPr kumimoji="1" lang="en-US" altLang="ja-JP" sz="3600" dirty="0">
+              <a:solidFill>
+                <a:schemeClr val="bg1"/>
+              </a:solidFill>
+              <a:latin typeface="x12y16pxMaruMonica" panose="02000000000000000000" pitchFamily="2" charset="-128"/>
+              <a:ea typeface="x12y16pxMaruMonica" panose="02000000000000000000" pitchFamily="2" charset="-128"/>
+            </a:endParaRPr>
+          </a:p>
+          <a:p>
+            <a:r>
+              <a:rPr kumimoji="1" lang="ja-JP" altLang="en-US" sz="3600" dirty="0">
+                <a:solidFill>
+                  <a:schemeClr val="bg1"/>
+                </a:solidFill>
+                <a:latin typeface="x12y16pxMaruMonica" panose="02000000000000000000" pitchFamily="2" charset="-128"/>
+                <a:ea typeface="x12y16pxMaruMonica" panose="02000000000000000000" pitchFamily="2" charset="-128"/>
+              </a:rPr>
+              <a:t>もちろんトモダチになることをあきらめちゃいけないぞ</a:t>
+            </a:r>
+          </a:p>
+        </p:txBody>
+      </p:sp>
+      <p:pic>
+        <p:nvPicPr>
+          <p:cNvPr id="9" name="図 8">
+            <a:extLst>
+              <a:ext uri="{FF2B5EF4-FFF2-40B4-BE49-F238E27FC236}">
+                <a16:creationId xmlns:a16="http://schemas.microsoft.com/office/drawing/2014/main" id="{D1B378FC-04FB-4417-A600-9E28DBF19E44}"/>
+              </a:ext>
+            </a:extLst>
+          </p:cNvPr>
+          <p:cNvPicPr>
+            <a:picLocks noChangeAspect="1"/>
+          </p:cNvPicPr>
+          <p:nvPr/>
+        </p:nvPicPr>
+        <p:blipFill>
+          <a:blip r:embed="rId2">
+            <a:extLst>
+              <a:ext uri="{28A0092B-C50C-407E-A947-70E740481C1C}">
+                <a14:useLocalDpi xmlns:a14="http://schemas.microsoft.com/office/drawing/2010/main" val="0"/>
+              </a:ext>
+            </a:extLst>
+          </a:blip>
+          <a:stretch>
+            <a:fillRect/>
+          </a:stretch>
+        </p:blipFill>
+        <p:spPr>
+          <a:xfrm>
+            <a:off x="350170" y="892019"/>
+            <a:ext cx="2434059" cy="2839733"/>
+          </a:xfrm>
+          <a:prstGeom prst="rect">
+            <a:avLst/>
+          </a:prstGeom>
+        </p:spPr>
+      </p:pic>
+      <p:sp>
+        <p:nvSpPr>
+          <p:cNvPr id="10" name="吹き出し: 角を丸めた四角形 9">
+            <a:extLst>
+              <a:ext uri="{FF2B5EF4-FFF2-40B4-BE49-F238E27FC236}">
+                <a16:creationId xmlns:a16="http://schemas.microsoft.com/office/drawing/2014/main" id="{B2E13384-D481-476C-A562-BC3FA155384D}"/>
+              </a:ext>
+            </a:extLst>
+          </p:cNvPr>
+          <p:cNvSpPr/>
+          <p:nvPr/>
+        </p:nvSpPr>
+        <p:spPr>
+          <a:xfrm>
+            <a:off x="2579077" y="4091448"/>
+            <a:ext cx="5732585" cy="2569550"/>
+          </a:xfrm>
+          <a:prstGeom prst="wedgeRoundRectCallout">
+            <a:avLst>
+              <a:gd name="adj1" fmla="val -52735"/>
+              <a:gd name="adj2" fmla="val -80524"/>
+              <a:gd name="adj3" fmla="val 16667"/>
+            </a:avLst>
+          </a:prstGeom>
+          <a:noFill/>
+          <a:ln>
+            <a:solidFill>
+              <a:schemeClr val="bg1"/>
+            </a:solidFill>
+          </a:ln>
+        </p:spPr>
+        <p:style>
+          <a:lnRef idx="2">
+            <a:schemeClr val="accent1">
+              <a:shade val="50000"/>
+            </a:schemeClr>
+          </a:lnRef>
+          <a:fillRef idx="1">
+            <a:schemeClr val="accent1"/>
+          </a:fillRef>
+          <a:effectRef idx="0">
+            <a:schemeClr val="accent1"/>
+          </a:effectRef>
+          <a:fontRef idx="minor">
+            <a:schemeClr val="lt1"/>
+          </a:fontRef>
+        </p:style>
+        <p:txBody>
+          <a:bodyPr rtlCol="0" anchor="ctr"/>
+          <a:lstStyle/>
+          <a:p>
+            <a:pPr algn="ctr"/>
+            <a:endParaRPr kumimoji="1" lang="ja-JP" altLang="en-US"/>
+          </a:p>
+        </p:txBody>
+      </p:sp>
+      <p:sp>
+        <p:nvSpPr>
+          <p:cNvPr id="11" name="テキスト ボックス 10">
+            <a:extLst>
+              <a:ext uri="{FF2B5EF4-FFF2-40B4-BE49-F238E27FC236}">
+                <a16:creationId xmlns:a16="http://schemas.microsoft.com/office/drawing/2014/main" id="{AB9A9E97-D920-4923-99E1-35DF0D327E8E}"/>
+              </a:ext>
+            </a:extLst>
+          </p:cNvPr>
+          <p:cNvSpPr txBox="1"/>
+          <p:nvPr/>
+        </p:nvSpPr>
+        <p:spPr>
+          <a:xfrm>
+            <a:off x="2878016" y="4267294"/>
+            <a:ext cx="4783015" cy="1754326"/>
+          </a:xfrm>
+          <a:prstGeom prst="rect">
+            <a:avLst/>
+          </a:prstGeom>
+          <a:noFill/>
+        </p:spPr>
+        <p:txBody>
+          <a:bodyPr wrap="square" rtlCol="0">
+            <a:spAutoFit/>
+          </a:bodyPr>
+          <a:lstStyle/>
+          <a:p>
+            <a:r>
+              <a:rPr kumimoji="1" lang="ja-JP" altLang="en-US" sz="3600" dirty="0">
+                <a:solidFill>
+                  <a:schemeClr val="bg1"/>
+                </a:solidFill>
+                <a:latin typeface="x12y16pxMaruMonica" panose="02000000000000000000" pitchFamily="2" charset="-128"/>
+                <a:ea typeface="x12y16pxMaruMonica" panose="02000000000000000000" pitchFamily="2" charset="-128"/>
+              </a:rPr>
+              <a:t>え</a:t>
+            </a:r>
+            <a:r>
+              <a:rPr kumimoji="1" lang="en-US" altLang="ja-JP" sz="3600" dirty="0">
+                <a:solidFill>
+                  <a:schemeClr val="bg1"/>
+                </a:solidFill>
+                <a:latin typeface="x12y16pxMaruMonica" panose="02000000000000000000" pitchFamily="2" charset="-128"/>
+                <a:ea typeface="x12y16pxMaruMonica" panose="02000000000000000000" pitchFamily="2" charset="-128"/>
+              </a:rPr>
+              <a:t>⁉</a:t>
+            </a:r>
+          </a:p>
+          <a:p>
+            <a:r>
+              <a:rPr lang="ja-JP" altLang="en-US" sz="3600" dirty="0">
+                <a:solidFill>
+                  <a:schemeClr val="bg1"/>
+                </a:solidFill>
+                <a:latin typeface="x12y16pxMaruMonica" panose="02000000000000000000" pitchFamily="2" charset="-128"/>
+                <a:ea typeface="x12y16pxMaruMonica" panose="02000000000000000000" pitchFamily="2" charset="-128"/>
+              </a:rPr>
+              <a:t>でも反撃しないと殺されちゃうぞ</a:t>
+            </a:r>
+            <a:r>
+              <a:rPr lang="en-US" altLang="ja-JP" sz="3600" dirty="0">
+                <a:solidFill>
+                  <a:schemeClr val="bg1"/>
+                </a:solidFill>
+                <a:latin typeface="x12y16pxMaruMonica" panose="02000000000000000000" pitchFamily="2" charset="-128"/>
+                <a:ea typeface="x12y16pxMaruMonica" panose="02000000000000000000" pitchFamily="2" charset="-128"/>
+              </a:rPr>
+              <a:t>⁉</a:t>
+            </a:r>
+          </a:p>
+        </p:txBody>
+      </p:sp>
+      <p:sp>
+        <p:nvSpPr>
+          <p:cNvPr id="2" name="テキスト ボックス 1">
+            <a:extLst>
+              <a:ext uri="{FF2B5EF4-FFF2-40B4-BE49-F238E27FC236}">
+                <a16:creationId xmlns:a16="http://schemas.microsoft.com/office/drawing/2014/main" id="{44962CBA-7CA6-4DBB-BCE0-5E96C72D5A45}"/>
+              </a:ext>
+            </a:extLst>
+          </p:cNvPr>
+          <p:cNvSpPr txBox="1"/>
+          <p:nvPr/>
+        </p:nvSpPr>
+        <p:spPr>
+          <a:xfrm>
+            <a:off x="2092569" y="69880"/>
+            <a:ext cx="973015" cy="1446550"/>
+          </a:xfrm>
+          <a:prstGeom prst="rect">
+            <a:avLst/>
+          </a:prstGeom>
+          <a:noFill/>
+        </p:spPr>
+        <p:txBody>
+          <a:bodyPr wrap="square" rtlCol="0">
+            <a:spAutoFit/>
+          </a:bodyPr>
+          <a:lstStyle/>
+          <a:p>
+            <a:r>
+              <a:rPr kumimoji="1" lang="en-US" altLang="ja-JP" sz="8800" dirty="0">
+                <a:solidFill>
+                  <a:schemeClr val="bg1"/>
+                </a:solidFill>
+                <a:latin typeface="x12y16pxMaruMonica" panose="02000000000000000000" pitchFamily="2" charset="-128"/>
+                <a:ea typeface="x12y16pxMaruMonica" panose="02000000000000000000" pitchFamily="2" charset="-128"/>
+              </a:rPr>
+              <a:t>!?</a:t>
+            </a:r>
+            <a:endParaRPr kumimoji="1" lang="ja-JP" altLang="en-US" sz="8800" dirty="0">
+              <a:solidFill>
+                <a:schemeClr val="bg1"/>
+              </a:solidFill>
+              <a:latin typeface="x12y16pxMaruMonica" panose="02000000000000000000" pitchFamily="2" charset="-128"/>
+              <a:ea typeface="x12y16pxMaruMonica" panose="02000000000000000000" pitchFamily="2" charset="-128"/>
+            </a:endParaRPr>
+          </a:p>
+        </p:txBody>
+      </p:sp>
+      <p:pic>
+        <p:nvPicPr>
+          <p:cNvPr id="7" name="図 6">
+            <a:extLst>
+              <a:ext uri="{FF2B5EF4-FFF2-40B4-BE49-F238E27FC236}">
+                <a16:creationId xmlns:a16="http://schemas.microsoft.com/office/drawing/2014/main" id="{8A128629-E3BD-4EA6-B935-E0A7BAE9179B}"/>
+              </a:ext>
+            </a:extLst>
+          </p:cNvPr>
+          <p:cNvPicPr>
+            <a:picLocks noChangeAspect="1"/>
+          </p:cNvPicPr>
+          <p:nvPr/>
+        </p:nvPicPr>
+        <p:blipFill>
+          <a:blip r:embed="rId3">
+            <a:extLst>
+              <a:ext uri="{28A0092B-C50C-407E-A947-70E740481C1C}">
+                <a14:useLocalDpi xmlns:a14="http://schemas.microsoft.com/office/drawing/2010/main" val="0"/>
+              </a:ext>
+            </a:extLst>
+          </a:blip>
+          <a:stretch>
+            <a:fillRect/>
+          </a:stretch>
+        </p:blipFill>
+        <p:spPr>
+          <a:xfrm>
+            <a:off x="9424951" y="1967162"/>
+            <a:ext cx="2767049" cy="2923675"/>
+          </a:xfrm>
+          <a:prstGeom prst="rect">
+            <a:avLst/>
+          </a:prstGeom>
+        </p:spPr>
+      </p:pic>
+    </p:spTree>
+    <p:extLst>
+      <p:ext uri="{BB962C8B-B14F-4D97-AF65-F5344CB8AC3E}">
+        <p14:creationId xmlns:p14="http://schemas.microsoft.com/office/powerpoint/2010/main" val="820195381"/>
+      </p:ext>
+    </p:extLst>
+  </p:cSld>
+  <p:clrMapOvr>
+    <a:masterClrMapping/>
+  </p:clrMapOvr>
+</p:sld>
+</file>
+
+<file path=ppt/slides/slide6.xml><?xml version="1.0" encoding="utf-8"?>
+<p:sld xmlns:a="http://schemas.openxmlformats.org/drawingml/2006/main" xmlns:r="http://schemas.openxmlformats.org/officeDocument/2006/relationships" xmlns:p="http://schemas.openxmlformats.org/presentationml/2006/main">
+  <p:cSld>
+    <p:bg>
+      <p:bgPr>
+        <a:solidFill>
+          <a:schemeClr val="tx1"/>
+        </a:solidFill>
+        <a:effectLst/>
+      </p:bgPr>
+    </p:bg>
+    <p:spTree>
+      <p:nvGrpSpPr>
+        <p:cNvPr id="1" name=""/>
+        <p:cNvGrpSpPr/>
+        <p:nvPr/>
+      </p:nvGrpSpPr>
+      <p:grpSpPr>
+        <a:xfrm>
+          <a:off x="0" y="0"/>
+          <a:ext cx="0" cy="0"/>
+          <a:chOff x="0" y="0"/>
+          <a:chExt cx="0" cy="0"/>
+        </a:xfrm>
+      </p:grpSpPr>
+      <p:sp>
+        <p:nvSpPr>
+          <p:cNvPr id="5" name="テキスト ボックス 4">
+            <a:extLst>
+              <a:ext uri="{FF2B5EF4-FFF2-40B4-BE49-F238E27FC236}">
+                <a16:creationId xmlns:a16="http://schemas.microsoft.com/office/drawing/2014/main" id="{DAE330ED-0461-497D-84E6-F0CB9B1690C0}"/>
+              </a:ext>
+            </a:extLst>
+          </p:cNvPr>
+          <p:cNvSpPr txBox="1"/>
+          <p:nvPr/>
+        </p:nvSpPr>
+        <p:spPr>
+          <a:xfrm>
+            <a:off x="3903785" y="197002"/>
+            <a:ext cx="4783015" cy="2862322"/>
+          </a:xfrm>
+          <a:prstGeom prst="rect">
+            <a:avLst/>
+          </a:prstGeom>
+          <a:noFill/>
+        </p:spPr>
+        <p:txBody>
+          <a:bodyPr wrap="square" rtlCol="0">
+            <a:spAutoFit/>
+          </a:bodyPr>
+          <a:lstStyle/>
+          <a:p>
+            <a:r>
+              <a:rPr kumimoji="1" lang="ja-JP" altLang="en-US" sz="3600" dirty="0">
+                <a:solidFill>
+                  <a:schemeClr val="bg1"/>
+                </a:solidFill>
+                <a:latin typeface="x12y16pxMaruMonica" panose="02000000000000000000" pitchFamily="2" charset="-128"/>
+                <a:ea typeface="x12y16pxMaruMonica" panose="02000000000000000000" pitchFamily="2" charset="-128"/>
+              </a:rPr>
+              <a:t>大丈夫だ。</a:t>
+            </a:r>
+            <a:endParaRPr kumimoji="1" lang="en-US" altLang="ja-JP" sz="3600" dirty="0">
+              <a:solidFill>
+                <a:schemeClr val="bg1"/>
+              </a:solidFill>
+              <a:latin typeface="x12y16pxMaruMonica" panose="02000000000000000000" pitchFamily="2" charset="-128"/>
+              <a:ea typeface="x12y16pxMaruMonica" panose="02000000000000000000" pitchFamily="2" charset="-128"/>
+            </a:endParaRPr>
+          </a:p>
+          <a:p>
+            <a:r>
+              <a:rPr lang="ja-JP" altLang="en-US" sz="3600" dirty="0">
+                <a:solidFill>
+                  <a:schemeClr val="bg1"/>
+                </a:solidFill>
+                <a:latin typeface="x12y16pxMaruMonica" panose="02000000000000000000" pitchFamily="2" charset="-128"/>
+                <a:ea typeface="x12y16pxMaruMonica" panose="02000000000000000000" pitchFamily="2" charset="-128"/>
+              </a:rPr>
+              <a:t>あくまで最初は友好的じゃないだけだ。</a:t>
+            </a:r>
+            <a:endParaRPr lang="en-US" altLang="ja-JP" sz="3600" dirty="0">
+              <a:solidFill>
+                <a:schemeClr val="bg1"/>
+              </a:solidFill>
+              <a:latin typeface="x12y16pxMaruMonica" panose="02000000000000000000" pitchFamily="2" charset="-128"/>
+              <a:ea typeface="x12y16pxMaruMonica" panose="02000000000000000000" pitchFamily="2" charset="-128"/>
+            </a:endParaRPr>
+          </a:p>
+          <a:p>
+            <a:r>
+              <a:rPr kumimoji="1" lang="ja-JP" altLang="en-US" sz="3600" dirty="0">
+                <a:solidFill>
+                  <a:schemeClr val="bg1"/>
+                </a:solidFill>
+                <a:latin typeface="x12y16pxMaruMonica" panose="02000000000000000000" pitchFamily="2" charset="-128"/>
+                <a:ea typeface="x12y16pxMaruMonica" panose="02000000000000000000" pitchFamily="2" charset="-128"/>
+              </a:rPr>
+              <a:t>諦めなければ</a:t>
+            </a:r>
+            <a:r>
+              <a:rPr lang="ja-JP" altLang="en-US" sz="3600" dirty="0">
+                <a:solidFill>
+                  <a:schemeClr val="bg1"/>
+                </a:solidFill>
+                <a:latin typeface="x12y16pxMaruMonica" panose="02000000000000000000" pitchFamily="2" charset="-128"/>
+                <a:ea typeface="x12y16pxMaruMonica" panose="02000000000000000000" pitchFamily="2" charset="-128"/>
+              </a:rPr>
+              <a:t>プレイヤーを信じてくれる</a:t>
+            </a:r>
+            <a:endParaRPr kumimoji="1" lang="ja-JP" altLang="en-US" sz="3600" dirty="0">
+              <a:solidFill>
+                <a:schemeClr val="bg1"/>
+              </a:solidFill>
+              <a:latin typeface="x12y16pxMaruMonica" panose="02000000000000000000" pitchFamily="2" charset="-128"/>
+              <a:ea typeface="x12y16pxMaruMonica" panose="02000000000000000000" pitchFamily="2" charset="-128"/>
+            </a:endParaRPr>
+          </a:p>
+        </p:txBody>
+      </p:sp>
+      <p:pic>
+        <p:nvPicPr>
+          <p:cNvPr id="9" name="図 8">
+            <a:extLst>
+              <a:ext uri="{FF2B5EF4-FFF2-40B4-BE49-F238E27FC236}">
+                <a16:creationId xmlns:a16="http://schemas.microsoft.com/office/drawing/2014/main" id="{D1B378FC-04FB-4417-A600-9E28DBF19E44}"/>
+              </a:ext>
+            </a:extLst>
+          </p:cNvPr>
+          <p:cNvPicPr>
+            <a:picLocks noChangeAspect="1"/>
+          </p:cNvPicPr>
+          <p:nvPr/>
+        </p:nvPicPr>
+        <p:blipFill>
+          <a:blip r:embed="rId2">
+            <a:extLst>
+              <a:ext uri="{28A0092B-C50C-407E-A947-70E740481C1C}">
+                <a14:useLocalDpi xmlns:a14="http://schemas.microsoft.com/office/drawing/2010/main" val="0"/>
+              </a:ext>
+            </a:extLst>
+          </a:blip>
+          <a:stretch>
+            <a:fillRect/>
+          </a:stretch>
+        </p:blipFill>
+        <p:spPr>
+          <a:xfrm>
+            <a:off x="350170" y="892019"/>
+            <a:ext cx="2434059" cy="2839733"/>
+          </a:xfrm>
+          <a:prstGeom prst="rect">
+            <a:avLst/>
+          </a:prstGeom>
+        </p:spPr>
+      </p:pic>
+      <p:sp>
+        <p:nvSpPr>
+          <p:cNvPr id="10" name="吹き出し: 角を丸めた四角形 9">
+            <a:extLst>
+              <a:ext uri="{FF2B5EF4-FFF2-40B4-BE49-F238E27FC236}">
+                <a16:creationId xmlns:a16="http://schemas.microsoft.com/office/drawing/2014/main" id="{B2E13384-D481-476C-A562-BC3FA155384D}"/>
+              </a:ext>
+            </a:extLst>
+          </p:cNvPr>
+          <p:cNvSpPr/>
+          <p:nvPr/>
+        </p:nvSpPr>
+        <p:spPr>
+          <a:xfrm>
+            <a:off x="2244971" y="4091448"/>
+            <a:ext cx="3851030" cy="2569550"/>
+          </a:xfrm>
+          <a:prstGeom prst="wedgeRoundRectCallout">
+            <a:avLst>
+              <a:gd name="adj1" fmla="val -52735"/>
+              <a:gd name="adj2" fmla="val -80524"/>
+              <a:gd name="adj3" fmla="val 16667"/>
+            </a:avLst>
+          </a:prstGeom>
+          <a:noFill/>
+          <a:ln>
+            <a:solidFill>
+              <a:schemeClr val="bg1"/>
+            </a:solidFill>
+          </a:ln>
+        </p:spPr>
+        <p:style>
+          <a:lnRef idx="2">
+            <a:schemeClr val="accent1">
+              <a:shade val="50000"/>
+            </a:schemeClr>
+          </a:lnRef>
+          <a:fillRef idx="1">
+            <a:schemeClr val="accent1"/>
+          </a:fillRef>
+          <a:effectRef idx="0">
+            <a:schemeClr val="accent1"/>
+          </a:effectRef>
+          <a:fontRef idx="minor">
+            <a:schemeClr val="lt1"/>
+          </a:fontRef>
+        </p:style>
+        <p:txBody>
+          <a:bodyPr rtlCol="0" anchor="ctr"/>
+          <a:lstStyle/>
+          <a:p>
+            <a:pPr algn="ctr"/>
+            <a:endParaRPr kumimoji="1" lang="ja-JP" altLang="en-US"/>
+          </a:p>
+        </p:txBody>
+      </p:sp>
+      <p:pic>
+        <p:nvPicPr>
+          <p:cNvPr id="6" name="図 5">
+            <a:extLst>
+              <a:ext uri="{FF2B5EF4-FFF2-40B4-BE49-F238E27FC236}">
+                <a16:creationId xmlns:a16="http://schemas.microsoft.com/office/drawing/2014/main" id="{47BD3A2C-6D9C-47EF-B11A-64B65EF608D2}"/>
+              </a:ext>
+            </a:extLst>
+          </p:cNvPr>
+          <p:cNvPicPr>
+            <a:picLocks noChangeAspect="1"/>
+          </p:cNvPicPr>
+          <p:nvPr/>
+        </p:nvPicPr>
+        <p:blipFill>
+          <a:blip r:embed="rId3">
+            <a:extLst>
+              <a:ext uri="{28A0092B-C50C-407E-A947-70E740481C1C}">
+                <a14:useLocalDpi xmlns:a14="http://schemas.microsoft.com/office/drawing/2010/main" val="0"/>
+              </a:ext>
+            </a:extLst>
+          </a:blip>
+          <a:stretch>
+            <a:fillRect/>
+          </a:stretch>
+        </p:blipFill>
+        <p:spPr>
+          <a:xfrm>
+            <a:off x="9137737" y="2262246"/>
+            <a:ext cx="3054263" cy="2939012"/>
+          </a:xfrm>
+          <a:prstGeom prst="rect">
+            <a:avLst/>
+          </a:prstGeom>
+        </p:spPr>
+      </p:pic>
+      <p:sp>
+        <p:nvSpPr>
+          <p:cNvPr id="4" name="吹き出し: 角を丸めた四角形 3">
+            <a:extLst>
+              <a:ext uri="{FF2B5EF4-FFF2-40B4-BE49-F238E27FC236}">
+                <a16:creationId xmlns:a16="http://schemas.microsoft.com/office/drawing/2014/main" id="{59599FD9-FC5A-40E2-A0FD-48B8BECA8630}"/>
+              </a:ext>
+            </a:extLst>
+          </p:cNvPr>
+          <p:cNvSpPr/>
+          <p:nvPr/>
+        </p:nvSpPr>
+        <p:spPr>
+          <a:xfrm>
+            <a:off x="3604846" y="62278"/>
+            <a:ext cx="5732585" cy="2939012"/>
+          </a:xfrm>
+          <a:prstGeom prst="wedgeRoundRectCallout">
+            <a:avLst>
+              <a:gd name="adj1" fmla="val 51253"/>
+              <a:gd name="adj2" fmla="val 63663"/>
+              <a:gd name="adj3" fmla="val 16667"/>
+            </a:avLst>
+          </a:prstGeom>
+          <a:noFill/>
+          <a:ln>
+            <a:solidFill>
+              <a:schemeClr val="bg1"/>
+            </a:solidFill>
+          </a:ln>
+        </p:spPr>
+        <p:style>
+          <a:lnRef idx="2">
+            <a:schemeClr val="accent1">
+              <a:shade val="50000"/>
+            </a:schemeClr>
+          </a:lnRef>
+          <a:fillRef idx="1">
+            <a:schemeClr val="accent1"/>
+          </a:fillRef>
+          <a:effectRef idx="0">
+            <a:schemeClr val="accent1"/>
+          </a:effectRef>
+          <a:fontRef idx="minor">
+            <a:schemeClr val="lt1"/>
+          </a:fontRef>
+        </p:style>
+        <p:txBody>
+          <a:bodyPr rtlCol="0" anchor="ctr"/>
+          <a:lstStyle/>
+          <a:p>
+            <a:pPr algn="ctr"/>
+            <a:endParaRPr kumimoji="1" lang="ja-JP" altLang="en-US"/>
+          </a:p>
+        </p:txBody>
+      </p:sp>
+      <p:sp>
+        <p:nvSpPr>
+          <p:cNvPr id="12" name="テキスト ボックス 11">
+            <a:extLst>
+              <a:ext uri="{FF2B5EF4-FFF2-40B4-BE49-F238E27FC236}">
+                <a16:creationId xmlns:a16="http://schemas.microsoft.com/office/drawing/2014/main" id="{1455C57F-723B-48C9-9CEE-D0C261C8918C}"/>
+              </a:ext>
+            </a:extLst>
+          </p:cNvPr>
+          <p:cNvSpPr txBox="1"/>
+          <p:nvPr/>
+        </p:nvSpPr>
+        <p:spPr>
+          <a:xfrm>
+            <a:off x="6358967" y="3563724"/>
+            <a:ext cx="2403632" cy="1754326"/>
+          </a:xfrm>
+          <a:prstGeom prst="rect">
+            <a:avLst/>
+          </a:prstGeom>
+          <a:noFill/>
+        </p:spPr>
+        <p:txBody>
+          <a:bodyPr wrap="square" rtlCol="0">
+            <a:spAutoFit/>
+          </a:bodyPr>
+          <a:lstStyle/>
+          <a:p>
+            <a:r>
+              <a:rPr kumimoji="1" lang="ja-JP" altLang="en-US" sz="3600" dirty="0">
+                <a:solidFill>
+                  <a:schemeClr val="bg1"/>
+                </a:solidFill>
+                <a:latin typeface="x12y16pxMaruMonica" panose="02000000000000000000" pitchFamily="2" charset="-128"/>
+                <a:ea typeface="x12y16pxMaruMonica" panose="02000000000000000000" pitchFamily="2" charset="-128"/>
+              </a:rPr>
+              <a:t>そのための「こうどう」だ</a:t>
+            </a:r>
+          </a:p>
+        </p:txBody>
+      </p:sp>
+      <p:sp>
+        <p:nvSpPr>
+          <p:cNvPr id="13" name="吹き出し: 角を丸めた四角形 12">
+            <a:extLst>
+              <a:ext uri="{FF2B5EF4-FFF2-40B4-BE49-F238E27FC236}">
+                <a16:creationId xmlns:a16="http://schemas.microsoft.com/office/drawing/2014/main" id="{F9F9A363-D42A-47FB-B3A9-8FA98560BB76}"/>
+              </a:ext>
+            </a:extLst>
+          </p:cNvPr>
+          <p:cNvSpPr/>
+          <p:nvPr/>
+        </p:nvSpPr>
+        <p:spPr>
+          <a:xfrm>
+            <a:off x="6358967" y="3429000"/>
+            <a:ext cx="3054263" cy="2939012"/>
+          </a:xfrm>
+          <a:prstGeom prst="wedgeRoundRectCallout">
+            <a:avLst>
+              <a:gd name="adj1" fmla="val 53093"/>
+              <a:gd name="adj2" fmla="val -32666"/>
+              <a:gd name="adj3" fmla="val 16667"/>
+            </a:avLst>
+          </a:prstGeom>
+          <a:noFill/>
+          <a:ln>
+            <a:solidFill>
+              <a:schemeClr val="bg1"/>
+            </a:solidFill>
+          </a:ln>
+        </p:spPr>
+        <p:style>
+          <a:lnRef idx="2">
+            <a:schemeClr val="accent1">
+              <a:shade val="50000"/>
+            </a:schemeClr>
+          </a:lnRef>
+          <a:fillRef idx="1">
+            <a:schemeClr val="accent1"/>
+          </a:fillRef>
+          <a:effectRef idx="0">
+            <a:schemeClr val="accent1"/>
+          </a:effectRef>
+          <a:fontRef idx="minor">
+            <a:schemeClr val="lt1"/>
+          </a:fontRef>
+        </p:style>
+        <p:txBody>
+          <a:bodyPr rtlCol="0" anchor="ctr"/>
+          <a:lstStyle/>
+          <a:p>
+            <a:pPr algn="ctr"/>
+            <a:endParaRPr kumimoji="1" lang="ja-JP" altLang="en-US"/>
+          </a:p>
+        </p:txBody>
+      </p:sp>
+      <p:sp>
+        <p:nvSpPr>
+          <p:cNvPr id="14" name="テキスト ボックス 13">
+            <a:extLst>
+              <a:ext uri="{FF2B5EF4-FFF2-40B4-BE49-F238E27FC236}">
+                <a16:creationId xmlns:a16="http://schemas.microsoft.com/office/drawing/2014/main" id="{05884368-7625-41F0-A936-6A28CA922400}"/>
+              </a:ext>
+            </a:extLst>
+          </p:cNvPr>
+          <p:cNvSpPr txBox="1"/>
+          <p:nvPr/>
+        </p:nvSpPr>
+        <p:spPr>
+          <a:xfrm>
+            <a:off x="2092569" y="69880"/>
+            <a:ext cx="973015" cy="1446550"/>
+          </a:xfrm>
+          <a:prstGeom prst="rect">
+            <a:avLst/>
+          </a:prstGeom>
+          <a:noFill/>
+        </p:spPr>
+        <p:txBody>
+          <a:bodyPr wrap="square" rtlCol="0">
+            <a:spAutoFit/>
+          </a:bodyPr>
+          <a:lstStyle/>
+          <a:p>
+            <a:r>
+              <a:rPr kumimoji="1" lang="en-US" altLang="ja-JP" sz="8800" dirty="0">
+                <a:solidFill>
+                  <a:schemeClr val="bg1"/>
+                </a:solidFill>
+                <a:latin typeface="x12y16pxMaruMonica" panose="02000000000000000000" pitchFamily="2" charset="-128"/>
+                <a:ea typeface="x12y16pxMaruMonica" panose="02000000000000000000" pitchFamily="2" charset="-128"/>
+              </a:rPr>
+              <a:t>!!</a:t>
+            </a:r>
+            <a:endParaRPr kumimoji="1" lang="ja-JP" altLang="en-US" sz="8800" dirty="0">
+              <a:solidFill>
+                <a:schemeClr val="bg1"/>
+              </a:solidFill>
+              <a:latin typeface="x12y16pxMaruMonica" panose="02000000000000000000" pitchFamily="2" charset="-128"/>
+              <a:ea typeface="x12y16pxMaruMonica" panose="02000000000000000000" pitchFamily="2" charset="-128"/>
+            </a:endParaRPr>
+          </a:p>
+        </p:txBody>
+      </p:sp>
+      <p:sp>
+        <p:nvSpPr>
+          <p:cNvPr id="15" name="テキスト ボックス 14">
+            <a:extLst>
+              <a:ext uri="{FF2B5EF4-FFF2-40B4-BE49-F238E27FC236}">
+                <a16:creationId xmlns:a16="http://schemas.microsoft.com/office/drawing/2014/main" id="{7ED248DB-6F36-4F11-8E31-A0476A609175}"/>
+              </a:ext>
+            </a:extLst>
+          </p:cNvPr>
+          <p:cNvSpPr txBox="1"/>
+          <p:nvPr/>
+        </p:nvSpPr>
+        <p:spPr>
+          <a:xfrm>
+            <a:off x="2403030" y="4211655"/>
+            <a:ext cx="3435062" cy="1754326"/>
+          </a:xfrm>
+          <a:prstGeom prst="rect">
+            <a:avLst/>
+          </a:prstGeom>
+          <a:noFill/>
+        </p:spPr>
+        <p:txBody>
+          <a:bodyPr wrap="square" rtlCol="0">
+            <a:spAutoFit/>
+          </a:bodyPr>
+          <a:lstStyle/>
+          <a:p>
+            <a:r>
+              <a:rPr kumimoji="1" lang="ja-JP" altLang="en-US" sz="3600" dirty="0">
+                <a:solidFill>
+                  <a:schemeClr val="bg1"/>
+                </a:solidFill>
+                <a:latin typeface="x12y16pxMaruMonica" panose="02000000000000000000" pitchFamily="2" charset="-128"/>
+                <a:ea typeface="x12y16pxMaruMonica" panose="02000000000000000000" pitchFamily="2" charset="-128"/>
+              </a:rPr>
+              <a:t>つまり、めげずに相手の心を開かせるのが重要なんだな</a:t>
+            </a:r>
+            <a:r>
+              <a:rPr kumimoji="1" lang="en-US" altLang="ja-JP" sz="3600" dirty="0">
+                <a:solidFill>
+                  <a:schemeClr val="bg1"/>
+                </a:solidFill>
+                <a:latin typeface="x12y16pxMaruMonica" panose="02000000000000000000" pitchFamily="2" charset="-128"/>
+                <a:ea typeface="x12y16pxMaruMonica" panose="02000000000000000000" pitchFamily="2" charset="-128"/>
+              </a:rPr>
+              <a:t>⁉</a:t>
+            </a:r>
+            <a:endParaRPr kumimoji="1" lang="ja-JP" altLang="en-US" sz="3600" dirty="0">
+              <a:solidFill>
+                <a:schemeClr val="bg1"/>
+              </a:solidFill>
+              <a:latin typeface="x12y16pxMaruMonica" panose="02000000000000000000" pitchFamily="2" charset="-128"/>
+              <a:ea typeface="x12y16pxMaruMonica" panose="02000000000000000000" pitchFamily="2" charset="-128"/>
+            </a:endParaRPr>
+          </a:p>
+        </p:txBody>
+      </p:sp>
+    </p:spTree>
+    <p:extLst>
+      <p:ext uri="{BB962C8B-B14F-4D97-AF65-F5344CB8AC3E}">
+        <p14:creationId xmlns:p14="http://schemas.microsoft.com/office/powerpoint/2010/main" val="2010225366"/>
+      </p:ext>
+    </p:extLst>
+  </p:cSld>
+  <p:clrMapOvr>
+    <a:masterClrMapping/>
+  </p:clrMapOvr>
+</p:sld>
+</file>
+
+<file path=ppt/slides/slide7.xml><?xml version="1.0" encoding="utf-8"?>
+<p:sld xmlns:a="http://schemas.openxmlformats.org/drawingml/2006/main" xmlns:r="http://schemas.openxmlformats.org/officeDocument/2006/relationships" xmlns:p="http://schemas.openxmlformats.org/presentationml/2006/main">
+  <p:cSld>
+    <p:bg>
+      <p:bgPr>
+        <a:solidFill>
+          <a:schemeClr val="tx1"/>
+        </a:solidFill>
+        <a:effectLst/>
+      </p:bgPr>
+    </p:bg>
+    <p:spTree>
+      <p:nvGrpSpPr>
+        <p:cNvPr id="1" name=""/>
+        <p:cNvGrpSpPr/>
+        <p:nvPr/>
+      </p:nvGrpSpPr>
+      <p:grpSpPr>
+        <a:xfrm>
+          <a:off x="0" y="0"/>
+          <a:ext cx="0" cy="0"/>
+          <a:chOff x="0" y="0"/>
+          <a:chExt cx="0" cy="0"/>
+        </a:xfrm>
+      </p:grpSpPr>
+      <p:sp>
+        <p:nvSpPr>
+          <p:cNvPr id="5" name="テキスト ボックス 4">
+            <a:extLst>
+              <a:ext uri="{FF2B5EF4-FFF2-40B4-BE49-F238E27FC236}">
+                <a16:creationId xmlns:a16="http://schemas.microsoft.com/office/drawing/2014/main" id="{DAE330ED-0461-497D-84E6-F0CB9B1690C0}"/>
+              </a:ext>
+            </a:extLst>
+          </p:cNvPr>
+          <p:cNvSpPr txBox="1"/>
+          <p:nvPr/>
+        </p:nvSpPr>
+        <p:spPr>
+          <a:xfrm>
+            <a:off x="3903785" y="197002"/>
+            <a:ext cx="4783015" cy="1754326"/>
+          </a:xfrm>
+          <a:prstGeom prst="rect">
+            <a:avLst/>
+          </a:prstGeom>
+          <a:noFill/>
+        </p:spPr>
+        <p:txBody>
+          <a:bodyPr wrap="square" rtlCol="0">
+            <a:spAutoFit/>
+          </a:bodyPr>
+          <a:lstStyle/>
+          <a:p>
+            <a:r>
+              <a:rPr kumimoji="1" lang="ja-JP" altLang="en-US" sz="3600" dirty="0">
+                <a:solidFill>
+                  <a:schemeClr val="bg1"/>
+                </a:solidFill>
+                <a:latin typeface="x12y16pxMaruMonica" panose="02000000000000000000" pitchFamily="2" charset="-128"/>
+                <a:ea typeface="x12y16pxMaruMonica" panose="02000000000000000000" pitchFamily="2" charset="-128"/>
+              </a:rPr>
+              <a:t>地底世界には様々なモンスターがいるが、みんなとトモダチになれるように</a:t>
+            </a:r>
+            <a:r>
+              <a:rPr kumimoji="1" lang="en-US" altLang="ja-JP" sz="3600" dirty="0">
+                <a:solidFill>
+                  <a:schemeClr val="bg1"/>
+                </a:solidFill>
+                <a:latin typeface="x12y16pxMaruMonica" panose="02000000000000000000" pitchFamily="2" charset="-128"/>
+                <a:ea typeface="x12y16pxMaruMonica" panose="02000000000000000000" pitchFamily="2" charset="-128"/>
+              </a:rPr>
+              <a:t>…</a:t>
+            </a:r>
+            <a:endParaRPr kumimoji="1" lang="ja-JP" altLang="en-US" sz="3600" dirty="0">
+              <a:solidFill>
+                <a:schemeClr val="bg1"/>
+              </a:solidFill>
+              <a:latin typeface="x12y16pxMaruMonica" panose="02000000000000000000" pitchFamily="2" charset="-128"/>
+              <a:ea typeface="x12y16pxMaruMonica" panose="02000000000000000000" pitchFamily="2" charset="-128"/>
+            </a:endParaRPr>
+          </a:p>
+        </p:txBody>
+      </p:sp>
+      <p:pic>
+        <p:nvPicPr>
+          <p:cNvPr id="9" name="図 8">
+            <a:extLst>
+              <a:ext uri="{FF2B5EF4-FFF2-40B4-BE49-F238E27FC236}">
+                <a16:creationId xmlns:a16="http://schemas.microsoft.com/office/drawing/2014/main" id="{D1B378FC-04FB-4417-A600-9E28DBF19E44}"/>
+              </a:ext>
+            </a:extLst>
+          </p:cNvPr>
+          <p:cNvPicPr>
+            <a:picLocks noChangeAspect="1"/>
+          </p:cNvPicPr>
+          <p:nvPr/>
+        </p:nvPicPr>
+        <p:blipFill>
+          <a:blip r:embed="rId2">
+            <a:extLst>
+              <a:ext uri="{28A0092B-C50C-407E-A947-70E740481C1C}">
+                <a14:useLocalDpi xmlns:a14="http://schemas.microsoft.com/office/drawing/2010/main" val="0"/>
+              </a:ext>
+            </a:extLst>
+          </a:blip>
+          <a:stretch>
+            <a:fillRect/>
+          </a:stretch>
+        </p:blipFill>
+        <p:spPr>
+          <a:xfrm>
+            <a:off x="350170" y="892019"/>
+            <a:ext cx="2434059" cy="2839733"/>
+          </a:xfrm>
+          <a:prstGeom prst="rect">
+            <a:avLst/>
+          </a:prstGeom>
+        </p:spPr>
+      </p:pic>
+      <p:sp>
+        <p:nvSpPr>
+          <p:cNvPr id="10" name="吹き出し: 角を丸めた四角形 9">
+            <a:extLst>
+              <a:ext uri="{FF2B5EF4-FFF2-40B4-BE49-F238E27FC236}">
+                <a16:creationId xmlns:a16="http://schemas.microsoft.com/office/drawing/2014/main" id="{B2E13384-D481-476C-A562-BC3FA155384D}"/>
+              </a:ext>
+            </a:extLst>
+          </p:cNvPr>
+          <p:cNvSpPr/>
+          <p:nvPr/>
+        </p:nvSpPr>
+        <p:spPr>
+          <a:xfrm>
+            <a:off x="2244971" y="4091448"/>
+            <a:ext cx="3851030" cy="2569550"/>
+          </a:xfrm>
+          <a:prstGeom prst="wedgeRoundRectCallout">
+            <a:avLst>
+              <a:gd name="adj1" fmla="val -52735"/>
+              <a:gd name="adj2" fmla="val -80524"/>
+              <a:gd name="adj3" fmla="val 16667"/>
+            </a:avLst>
+          </a:prstGeom>
+          <a:noFill/>
+          <a:ln>
+            <a:solidFill>
+              <a:schemeClr val="bg1"/>
+            </a:solidFill>
+          </a:ln>
+        </p:spPr>
+        <p:style>
+          <a:lnRef idx="2">
+            <a:schemeClr val="accent1">
+              <a:shade val="50000"/>
+            </a:schemeClr>
+          </a:lnRef>
+          <a:fillRef idx="1">
+            <a:schemeClr val="accent1"/>
+          </a:fillRef>
+          <a:effectRef idx="0">
+            <a:schemeClr val="accent1"/>
+          </a:effectRef>
+          <a:fontRef idx="minor">
+            <a:schemeClr val="lt1"/>
+          </a:fontRef>
+        </p:style>
+        <p:txBody>
+          <a:bodyPr rtlCol="0" anchor="ctr"/>
+          <a:lstStyle/>
+          <a:p>
+            <a:pPr algn="ctr"/>
+            <a:endParaRPr kumimoji="1" lang="ja-JP" altLang="en-US"/>
+          </a:p>
+        </p:txBody>
+      </p:sp>
+      <p:pic>
+        <p:nvPicPr>
+          <p:cNvPr id="6" name="図 5">
+            <a:extLst>
+              <a:ext uri="{FF2B5EF4-FFF2-40B4-BE49-F238E27FC236}">
+                <a16:creationId xmlns:a16="http://schemas.microsoft.com/office/drawing/2014/main" id="{47BD3A2C-6D9C-47EF-B11A-64B65EF608D2}"/>
+              </a:ext>
+            </a:extLst>
+          </p:cNvPr>
+          <p:cNvPicPr>
+            <a:picLocks noChangeAspect="1"/>
+          </p:cNvPicPr>
+          <p:nvPr/>
+        </p:nvPicPr>
+        <p:blipFill>
+          <a:blip r:embed="rId3">
+            <a:extLst>
+              <a:ext uri="{28A0092B-C50C-407E-A947-70E740481C1C}">
+                <a14:useLocalDpi xmlns:a14="http://schemas.microsoft.com/office/drawing/2010/main" val="0"/>
+              </a:ext>
+            </a:extLst>
+          </a:blip>
+          <a:stretch>
+            <a:fillRect/>
+          </a:stretch>
+        </p:blipFill>
+        <p:spPr>
+          <a:xfrm>
+            <a:off x="9137737" y="2262246"/>
+            <a:ext cx="3054263" cy="2939012"/>
+          </a:xfrm>
+          <a:prstGeom prst="rect">
+            <a:avLst/>
+          </a:prstGeom>
+        </p:spPr>
+      </p:pic>
+      <p:sp>
+        <p:nvSpPr>
+          <p:cNvPr id="4" name="吹き出し: 角を丸めた四角形 3">
+            <a:extLst>
+              <a:ext uri="{FF2B5EF4-FFF2-40B4-BE49-F238E27FC236}">
+                <a16:creationId xmlns:a16="http://schemas.microsoft.com/office/drawing/2014/main" id="{59599FD9-FC5A-40E2-A0FD-48B8BECA8630}"/>
+              </a:ext>
+            </a:extLst>
+          </p:cNvPr>
+          <p:cNvSpPr/>
+          <p:nvPr/>
+        </p:nvSpPr>
+        <p:spPr>
+          <a:xfrm>
+            <a:off x="3604846" y="62278"/>
+            <a:ext cx="5732585" cy="2939012"/>
+          </a:xfrm>
+          <a:prstGeom prst="wedgeRoundRectCallout">
+            <a:avLst>
+              <a:gd name="adj1" fmla="val 51253"/>
+              <a:gd name="adj2" fmla="val 63663"/>
+              <a:gd name="adj3" fmla="val 16667"/>
+            </a:avLst>
+          </a:prstGeom>
+          <a:noFill/>
+          <a:ln>
+            <a:solidFill>
+              <a:schemeClr val="bg1"/>
+            </a:solidFill>
+          </a:ln>
+        </p:spPr>
+        <p:style>
+          <a:lnRef idx="2">
+            <a:schemeClr val="accent1">
+              <a:shade val="50000"/>
+            </a:schemeClr>
+          </a:lnRef>
+          <a:fillRef idx="1">
+            <a:schemeClr val="accent1"/>
+          </a:fillRef>
+          <a:effectRef idx="0">
+            <a:schemeClr val="accent1"/>
+          </a:effectRef>
+          <a:fontRef idx="minor">
+            <a:schemeClr val="lt1"/>
+          </a:fontRef>
+        </p:style>
+        <p:txBody>
+          <a:bodyPr rtlCol="0" anchor="ctr"/>
+          <a:lstStyle/>
+          <a:p>
+            <a:pPr algn="ctr"/>
+            <a:endParaRPr kumimoji="1" lang="ja-JP" altLang="en-US"/>
+          </a:p>
+        </p:txBody>
+      </p:sp>
+      <p:sp>
+        <p:nvSpPr>
+          <p:cNvPr id="15" name="テキスト ボックス 14">
+            <a:extLst>
+              <a:ext uri="{FF2B5EF4-FFF2-40B4-BE49-F238E27FC236}">
+                <a16:creationId xmlns:a16="http://schemas.microsoft.com/office/drawing/2014/main" id="{7ED248DB-6F36-4F11-8E31-A0476A609175}"/>
+              </a:ext>
+            </a:extLst>
+          </p:cNvPr>
+          <p:cNvSpPr txBox="1"/>
+          <p:nvPr/>
+        </p:nvSpPr>
+        <p:spPr>
+          <a:xfrm>
+            <a:off x="3054264" y="3316126"/>
+            <a:ext cx="1500755" cy="3770263"/>
+          </a:xfrm>
+          <a:prstGeom prst="rect">
+            <a:avLst/>
+          </a:prstGeom>
+          <a:noFill/>
+        </p:spPr>
+        <p:txBody>
+          <a:bodyPr wrap="square" rtlCol="0">
+            <a:spAutoFit/>
+          </a:bodyPr>
+          <a:lstStyle/>
+          <a:p>
+            <a:r>
+              <a:rPr kumimoji="1" lang="ja-JP" altLang="en-US" sz="23900" dirty="0">
+                <a:solidFill>
+                  <a:schemeClr val="bg1"/>
+                </a:solidFill>
+                <a:latin typeface="x12y16pxMaruMonica" panose="02000000000000000000" pitchFamily="2" charset="-128"/>
+                <a:ea typeface="x12y16pxMaruMonica" panose="02000000000000000000" pitchFamily="2" charset="-128"/>
+              </a:rPr>
+              <a:t>？</a:t>
+            </a:r>
+          </a:p>
+        </p:txBody>
+      </p:sp>
+      <p:sp>
+        <p:nvSpPr>
+          <p:cNvPr id="2" name="思考の吹き出し: 雲形 1">
+            <a:extLst>
+              <a:ext uri="{FF2B5EF4-FFF2-40B4-BE49-F238E27FC236}">
+                <a16:creationId xmlns:a16="http://schemas.microsoft.com/office/drawing/2014/main" id="{FF5B790B-35C7-45B2-B245-A31A5444C92E}"/>
+              </a:ext>
+            </a:extLst>
+          </p:cNvPr>
+          <p:cNvSpPr/>
+          <p:nvPr/>
+        </p:nvSpPr>
+        <p:spPr>
+          <a:xfrm>
+            <a:off x="9627375" y="62279"/>
+            <a:ext cx="2564625" cy="2403356"/>
+          </a:xfrm>
+          <a:prstGeom prst="cloudCallout">
+            <a:avLst/>
+          </a:prstGeom>
+          <a:solidFill>
+            <a:schemeClr val="tx1">
+              <a:lumMod val="85000"/>
+              <a:lumOff val="15000"/>
+            </a:schemeClr>
+          </a:solidFill>
+          <a:ln>
+            <a:solidFill>
+              <a:schemeClr val="bg1"/>
+            </a:solidFill>
+          </a:ln>
+        </p:spPr>
+        <p:style>
+          <a:lnRef idx="2">
+            <a:schemeClr val="accent1">
+              <a:shade val="50000"/>
+            </a:schemeClr>
+          </a:lnRef>
+          <a:fillRef idx="1">
+            <a:schemeClr val="accent1"/>
+          </a:fillRef>
+          <a:effectRef idx="0">
+            <a:schemeClr val="accent1"/>
+          </a:effectRef>
+          <a:fontRef idx="minor">
+            <a:schemeClr val="lt1"/>
+          </a:fontRef>
+        </p:style>
+        <p:txBody>
+          <a:bodyPr rtlCol="0" anchor="ctr"/>
+          <a:lstStyle/>
+          <a:p>
+            <a:pPr algn="ctr"/>
+            <a:endParaRPr kumimoji="1" lang="ja-JP" altLang="en-US"/>
+          </a:p>
+        </p:txBody>
+      </p:sp>
+      <p:sp>
+        <p:nvSpPr>
+          <p:cNvPr id="16" name="思考の吹き出し: 雲形 15">
+            <a:extLst>
+              <a:ext uri="{FF2B5EF4-FFF2-40B4-BE49-F238E27FC236}">
+                <a16:creationId xmlns:a16="http://schemas.microsoft.com/office/drawing/2014/main" id="{75D9476B-B3DC-44E0-8F04-5BED0B1712CC}"/>
+              </a:ext>
+            </a:extLst>
+          </p:cNvPr>
+          <p:cNvSpPr/>
+          <p:nvPr/>
+        </p:nvSpPr>
+        <p:spPr>
+          <a:xfrm>
+            <a:off x="6770077" y="3316126"/>
+            <a:ext cx="2857297" cy="2569550"/>
+          </a:xfrm>
+          <a:prstGeom prst="cloudCallout">
+            <a:avLst>
+              <a:gd name="adj1" fmla="val 75777"/>
+              <a:gd name="adj2" fmla="val -16848"/>
+            </a:avLst>
+          </a:prstGeom>
+          <a:solidFill>
+            <a:schemeClr val="tx1">
+              <a:lumMod val="85000"/>
+              <a:lumOff val="15000"/>
+            </a:schemeClr>
+          </a:solidFill>
+          <a:ln>
+            <a:solidFill>
+              <a:schemeClr val="bg1"/>
+            </a:solidFill>
+          </a:ln>
+        </p:spPr>
+        <p:style>
+          <a:lnRef idx="2">
+            <a:schemeClr val="accent1">
+              <a:shade val="50000"/>
+            </a:schemeClr>
+          </a:lnRef>
+          <a:fillRef idx="1">
+            <a:schemeClr val="accent1"/>
+          </a:fillRef>
+          <a:effectRef idx="0">
+            <a:schemeClr val="accent1"/>
+          </a:effectRef>
+          <a:fontRef idx="minor">
+            <a:schemeClr val="lt1"/>
+          </a:fontRef>
+        </p:style>
+        <p:txBody>
+          <a:bodyPr rtlCol="0" anchor="ctr"/>
+          <a:lstStyle/>
+          <a:p>
+            <a:pPr algn="ctr"/>
+            <a:endParaRPr kumimoji="1" lang="ja-JP" altLang="en-US"/>
+          </a:p>
+        </p:txBody>
+      </p:sp>
+      <p:pic>
+        <p:nvPicPr>
+          <p:cNvPr id="7" name="図 6">
+            <a:extLst>
+              <a:ext uri="{FF2B5EF4-FFF2-40B4-BE49-F238E27FC236}">
+                <a16:creationId xmlns:a16="http://schemas.microsoft.com/office/drawing/2014/main" id="{902E6430-5DE5-4FB7-B0F9-E867A29A7FBF}"/>
+              </a:ext>
+            </a:extLst>
+          </p:cNvPr>
+          <p:cNvPicPr>
+            <a:picLocks noChangeAspect="1"/>
+          </p:cNvPicPr>
+          <p:nvPr/>
+        </p:nvPicPr>
+        <p:blipFill>
+          <a:blip r:embed="rId4">
+            <a:clrChange>
+              <a:clrFrom>
+                <a:srgbClr val="000000"/>
+              </a:clrFrom>
+              <a:clrTo>
+                <a:srgbClr val="000000">
+                  <a:alpha val="0"/>
+                </a:srgbClr>
+              </a:clrTo>
+            </a:clrChange>
+            <a:extLst>
+              <a:ext uri="{28A0092B-C50C-407E-A947-70E740481C1C}">
+                <a14:useLocalDpi xmlns:a14="http://schemas.microsoft.com/office/drawing/2010/main" val="0"/>
+              </a:ext>
+            </a:extLst>
+          </a:blip>
+          <a:stretch>
+            <a:fillRect/>
+          </a:stretch>
+        </p:blipFill>
+        <p:spPr>
+          <a:xfrm>
+            <a:off x="7265044" y="3808258"/>
+            <a:ext cx="1738279" cy="1576800"/>
+          </a:xfrm>
+          <a:prstGeom prst="rect">
+            <a:avLst/>
+          </a:prstGeom>
+        </p:spPr>
+      </p:pic>
+      <p:pic>
+        <p:nvPicPr>
+          <p:cNvPr id="11" name="図 10">
+            <a:extLst>
+              <a:ext uri="{FF2B5EF4-FFF2-40B4-BE49-F238E27FC236}">
+                <a16:creationId xmlns:a16="http://schemas.microsoft.com/office/drawing/2014/main" id="{0373CA59-67E4-4ED3-BB16-FA94735A7F21}"/>
+              </a:ext>
+            </a:extLst>
+          </p:cNvPr>
+          <p:cNvPicPr>
+            <a:picLocks noChangeAspect="1"/>
+          </p:cNvPicPr>
+          <p:nvPr/>
+        </p:nvPicPr>
+        <p:blipFill>
+          <a:blip r:embed="rId5">
+            <a:clrChange>
+              <a:clrFrom>
+                <a:srgbClr val="000000"/>
+              </a:clrFrom>
+              <a:clrTo>
+                <a:srgbClr val="000000">
+                  <a:alpha val="0"/>
+                </a:srgbClr>
+              </a:clrTo>
+            </a:clrChange>
+            <a:extLst>
+              <a:ext uri="{28A0092B-C50C-407E-A947-70E740481C1C}">
+                <a14:useLocalDpi xmlns:a14="http://schemas.microsoft.com/office/drawing/2010/main" val="0"/>
+              </a:ext>
+            </a:extLst>
+          </a:blip>
+          <a:stretch>
+            <a:fillRect/>
+          </a:stretch>
+        </p:blipFill>
+        <p:spPr>
+          <a:xfrm>
+            <a:off x="9823685" y="253533"/>
+            <a:ext cx="2172003" cy="1819529"/>
+          </a:xfrm>
+          <a:prstGeom prst="rect">
+            <a:avLst/>
+          </a:prstGeom>
+        </p:spPr>
+      </p:pic>
+    </p:spTree>
+    <p:extLst>
+      <p:ext uri="{BB962C8B-B14F-4D97-AF65-F5344CB8AC3E}">
+        <p14:creationId xmlns:p14="http://schemas.microsoft.com/office/powerpoint/2010/main" val="3772755227"/>
+      </p:ext>
+    </p:extLst>
+  </p:cSld>
+  <p:clrMapOvr>
+    <a:masterClrMapping/>
+  </p:clrMapOvr>
+</p:sld>
+</file>
+
+<file path=ppt/slides/slide8.xml><?xml version="1.0" encoding="utf-8"?>
+<p:sld xmlns:a="http://schemas.openxmlformats.org/drawingml/2006/main" xmlns:r="http://schemas.openxmlformats.org/officeDocument/2006/relationships" xmlns:p="http://schemas.openxmlformats.org/presentationml/2006/main">
+  <p:cSld>
+    <p:bg>
+      <p:bgPr>
+        <a:solidFill>
+          <a:schemeClr val="tx1"/>
+        </a:solidFill>
+        <a:effectLst/>
+      </p:bgPr>
+    </p:bg>
+    <p:spTree>
+      <p:nvGrpSpPr>
+        <p:cNvPr id="1" name=""/>
+        <p:cNvGrpSpPr/>
+        <p:nvPr/>
+      </p:nvGrpSpPr>
+      <p:grpSpPr>
+        <a:xfrm>
+          <a:off x="0" y="0"/>
+          <a:ext cx="0" cy="0"/>
+          <a:chOff x="0" y="0"/>
+          <a:chExt cx="0" cy="0"/>
+        </a:xfrm>
+      </p:grpSpPr>
+      <p:sp>
+        <p:nvSpPr>
+          <p:cNvPr id="5" name="テキスト ボックス 4">
+            <a:extLst>
+              <a:ext uri="{FF2B5EF4-FFF2-40B4-BE49-F238E27FC236}">
+                <a16:creationId xmlns:a16="http://schemas.microsoft.com/office/drawing/2014/main" id="{DAE330ED-0461-497D-84E6-F0CB9B1690C0}"/>
+              </a:ext>
+            </a:extLst>
+          </p:cNvPr>
+          <p:cNvSpPr txBox="1"/>
+          <p:nvPr/>
+        </p:nvSpPr>
+        <p:spPr>
+          <a:xfrm>
+            <a:off x="3903785" y="197002"/>
+            <a:ext cx="4783015" cy="1200329"/>
+          </a:xfrm>
+          <a:prstGeom prst="rect">
+            <a:avLst/>
+          </a:prstGeom>
+          <a:noFill/>
+        </p:spPr>
+        <p:txBody>
+          <a:bodyPr wrap="square" rtlCol="0">
+            <a:spAutoFit/>
+          </a:bodyPr>
+          <a:lstStyle/>
+          <a:p>
+            <a:r>
+              <a:rPr kumimoji="1" lang="ja-JP" altLang="en-US" sz="3600" dirty="0">
+                <a:solidFill>
+                  <a:schemeClr val="bg1"/>
+                </a:solidFill>
+                <a:latin typeface="x12y16pxMaruMonica" panose="02000000000000000000" pitchFamily="2" charset="-128"/>
+                <a:ea typeface="x12y16pxMaruMonica" panose="02000000000000000000" pitchFamily="2" charset="-128"/>
+              </a:rPr>
+              <a:t>そして誰も</a:t>
+            </a:r>
+            <a:r>
+              <a:rPr kumimoji="1" lang="ja-JP" altLang="en-US" sz="3600" dirty="0">
+                <a:solidFill>
+                  <a:srgbClr val="FFFF00"/>
+                </a:solidFill>
+                <a:latin typeface="x12y16pxMaruMonica" panose="02000000000000000000" pitchFamily="2" charset="-128"/>
+                <a:ea typeface="x12y16pxMaruMonica" panose="02000000000000000000" pitchFamily="2" charset="-128"/>
+              </a:rPr>
+              <a:t>殺さない</a:t>
+            </a:r>
+            <a:r>
+              <a:rPr kumimoji="1" lang="ja-JP" altLang="en-US" sz="3600" dirty="0">
+                <a:solidFill>
+                  <a:schemeClr val="bg1"/>
+                </a:solidFill>
+                <a:latin typeface="x12y16pxMaruMonica" panose="02000000000000000000" pitchFamily="2" charset="-128"/>
+                <a:ea typeface="x12y16pxMaruMonica" panose="02000000000000000000" pitchFamily="2" charset="-128"/>
+              </a:rPr>
+              <a:t>ように</a:t>
+            </a:r>
+            <a:r>
+              <a:rPr kumimoji="1" lang="en-US" altLang="ja-JP" sz="3600" dirty="0">
+                <a:solidFill>
+                  <a:schemeClr val="bg1"/>
+                </a:solidFill>
+                <a:latin typeface="x12y16pxMaruMonica" panose="02000000000000000000" pitchFamily="2" charset="-128"/>
+                <a:ea typeface="x12y16pxMaruMonica" panose="02000000000000000000" pitchFamily="2" charset="-128"/>
+              </a:rPr>
+              <a:t>…</a:t>
+            </a:r>
+          </a:p>
+          <a:p>
+            <a:r>
+              <a:rPr lang="ja-JP" altLang="en-US" sz="3600" dirty="0">
+                <a:solidFill>
+                  <a:schemeClr val="bg1"/>
+                </a:solidFill>
+                <a:latin typeface="x12y16pxMaruMonica" panose="02000000000000000000" pitchFamily="2" charset="-128"/>
+                <a:ea typeface="x12y16pxMaruMonica" panose="02000000000000000000" pitchFamily="2" charset="-128"/>
+              </a:rPr>
+              <a:t>頼んだ</a:t>
+            </a:r>
+            <a:r>
+              <a:rPr lang="ja-JP" altLang="en-US" sz="3600" dirty="0" err="1">
+                <a:solidFill>
+                  <a:schemeClr val="bg1"/>
+                </a:solidFill>
+                <a:latin typeface="x12y16pxMaruMonica" panose="02000000000000000000" pitchFamily="2" charset="-128"/>
+                <a:ea typeface="x12y16pxMaruMonica" panose="02000000000000000000" pitchFamily="2" charset="-128"/>
+              </a:rPr>
+              <a:t>ぜ</a:t>
+            </a:r>
+            <a:r>
+              <a:rPr lang="ja-JP" altLang="en-US" sz="3600" dirty="0">
+                <a:solidFill>
+                  <a:srgbClr val="FF0000"/>
+                </a:solidFill>
+                <a:latin typeface="x12y16pxMaruMonica" panose="02000000000000000000" pitchFamily="2" charset="-128"/>
+                <a:ea typeface="x12y16pxMaruMonica" panose="02000000000000000000" pitchFamily="2" charset="-128"/>
+              </a:rPr>
+              <a:t>プレイヤー</a:t>
+            </a:r>
+            <a:r>
+              <a:rPr lang="ja-JP" altLang="en-US" sz="3600" dirty="0">
+                <a:solidFill>
+                  <a:schemeClr val="bg1"/>
+                </a:solidFill>
+                <a:latin typeface="x12y16pxMaruMonica" panose="02000000000000000000" pitchFamily="2" charset="-128"/>
+                <a:ea typeface="x12y16pxMaruMonica" panose="02000000000000000000" pitchFamily="2" charset="-128"/>
+              </a:rPr>
+              <a:t>さん</a:t>
+            </a:r>
+            <a:endParaRPr kumimoji="1" lang="ja-JP" altLang="en-US" sz="3600" dirty="0">
+              <a:solidFill>
+                <a:schemeClr val="bg1"/>
+              </a:solidFill>
+              <a:latin typeface="x12y16pxMaruMonica" panose="02000000000000000000" pitchFamily="2" charset="-128"/>
+              <a:ea typeface="x12y16pxMaruMonica" panose="02000000000000000000" pitchFamily="2" charset="-128"/>
+            </a:endParaRPr>
+          </a:p>
+        </p:txBody>
+      </p:sp>
+      <p:sp>
+        <p:nvSpPr>
+          <p:cNvPr id="4" name="吹き出し: 角を丸めた四角形 3">
+            <a:extLst>
+              <a:ext uri="{FF2B5EF4-FFF2-40B4-BE49-F238E27FC236}">
+                <a16:creationId xmlns:a16="http://schemas.microsoft.com/office/drawing/2014/main" id="{59599FD9-FC5A-40E2-A0FD-48B8BECA8630}"/>
+              </a:ext>
+            </a:extLst>
+          </p:cNvPr>
+          <p:cNvSpPr/>
+          <p:nvPr/>
+        </p:nvSpPr>
+        <p:spPr>
+          <a:xfrm>
+            <a:off x="3604846" y="62278"/>
+            <a:ext cx="5732585" cy="1625845"/>
+          </a:xfrm>
+          <a:prstGeom prst="wedgeRoundRectCallout">
+            <a:avLst>
+              <a:gd name="adj1" fmla="val 51253"/>
+              <a:gd name="adj2" fmla="val 63663"/>
+              <a:gd name="adj3" fmla="val 16667"/>
+            </a:avLst>
+          </a:prstGeom>
+          <a:noFill/>
+          <a:ln>
+            <a:solidFill>
+              <a:schemeClr val="bg1"/>
+            </a:solidFill>
+          </a:ln>
+        </p:spPr>
+        <p:style>
+          <a:lnRef idx="2">
+            <a:schemeClr val="accent1">
+              <a:shade val="50000"/>
+            </a:schemeClr>
+          </a:lnRef>
+          <a:fillRef idx="1">
+            <a:schemeClr val="accent1"/>
+          </a:fillRef>
+          <a:effectRef idx="0">
+            <a:schemeClr val="accent1"/>
+          </a:effectRef>
+          <a:fontRef idx="minor">
+            <a:schemeClr val="lt1"/>
+          </a:fontRef>
+        </p:style>
+        <p:txBody>
+          <a:bodyPr rtlCol="0" anchor="ctr"/>
+          <a:lstStyle/>
+          <a:p>
+            <a:pPr algn="ctr"/>
+            <a:endParaRPr kumimoji="1" lang="ja-JP" altLang="en-US"/>
+          </a:p>
+        </p:txBody>
+      </p:sp>
+      <p:sp>
+        <p:nvSpPr>
+          <p:cNvPr id="15" name="テキスト ボックス 14">
+            <a:extLst>
+              <a:ext uri="{FF2B5EF4-FFF2-40B4-BE49-F238E27FC236}">
+                <a16:creationId xmlns:a16="http://schemas.microsoft.com/office/drawing/2014/main" id="{7ED248DB-6F36-4F11-8E31-A0476A609175}"/>
+              </a:ext>
+            </a:extLst>
+          </p:cNvPr>
+          <p:cNvSpPr txBox="1"/>
+          <p:nvPr/>
+        </p:nvSpPr>
+        <p:spPr>
+          <a:xfrm>
+            <a:off x="3054264" y="3316126"/>
+            <a:ext cx="1500755" cy="3770263"/>
+          </a:xfrm>
+          <a:prstGeom prst="rect">
+            <a:avLst/>
+          </a:prstGeom>
+          <a:noFill/>
+        </p:spPr>
+        <p:txBody>
+          <a:bodyPr wrap="square" rtlCol="0">
+            <a:spAutoFit/>
+          </a:bodyPr>
+          <a:lstStyle/>
+          <a:p>
+            <a:r>
+              <a:rPr kumimoji="1" lang="en-US" altLang="ja-JP" sz="23900" dirty="0">
+                <a:solidFill>
+                  <a:schemeClr val="bg1"/>
+                </a:solidFill>
+                <a:latin typeface="x12y16pxMaruMonica" panose="02000000000000000000" pitchFamily="2" charset="-128"/>
+                <a:ea typeface="x12y16pxMaruMonica" panose="02000000000000000000" pitchFamily="2" charset="-128"/>
+              </a:rPr>
+              <a:t>⁉</a:t>
+            </a:r>
+            <a:endParaRPr kumimoji="1" lang="ja-JP" altLang="en-US" sz="23900" dirty="0">
+              <a:solidFill>
+                <a:schemeClr val="bg1"/>
+              </a:solidFill>
+              <a:latin typeface="x12y16pxMaruMonica" panose="02000000000000000000" pitchFamily="2" charset="-128"/>
+              <a:ea typeface="x12y16pxMaruMonica" panose="02000000000000000000" pitchFamily="2" charset="-128"/>
+            </a:endParaRPr>
+          </a:p>
+        </p:txBody>
+      </p:sp>
+      <p:pic>
+        <p:nvPicPr>
+          <p:cNvPr id="3" name="図 2">
+            <a:extLst>
+              <a:ext uri="{FF2B5EF4-FFF2-40B4-BE49-F238E27FC236}">
+                <a16:creationId xmlns:a16="http://schemas.microsoft.com/office/drawing/2014/main" id="{A9B08A77-1C93-46A7-87A7-FE9DB47B3D1C}"/>
+              </a:ext>
+            </a:extLst>
+          </p:cNvPr>
+          <p:cNvPicPr>
+            <a:picLocks noChangeAspect="1"/>
+          </p:cNvPicPr>
+          <p:nvPr/>
+        </p:nvPicPr>
+        <p:blipFill>
+          <a:blip r:embed="rId2">
+            <a:extLst>
+              <a:ext uri="{28A0092B-C50C-407E-A947-70E740481C1C}">
+                <a14:useLocalDpi xmlns:a14="http://schemas.microsoft.com/office/drawing/2010/main" val="0"/>
+              </a:ext>
+            </a:extLst>
+          </a:blip>
+          <a:stretch>
+            <a:fillRect/>
+          </a:stretch>
+        </p:blipFill>
+        <p:spPr>
+          <a:xfrm>
+            <a:off x="9542183" y="892019"/>
+            <a:ext cx="2649817" cy="2799807"/>
+          </a:xfrm>
+          <a:prstGeom prst="rect">
+            <a:avLst/>
+          </a:prstGeom>
+        </p:spPr>
+      </p:pic>
+      <p:pic>
+        <p:nvPicPr>
+          <p:cNvPr id="8" name="図 7">
+            <a:extLst>
+              <a:ext uri="{FF2B5EF4-FFF2-40B4-BE49-F238E27FC236}">
+                <a16:creationId xmlns:a16="http://schemas.microsoft.com/office/drawing/2014/main" id="{D23F3175-288D-4EDD-99F7-10DFA382A020}"/>
+              </a:ext>
+            </a:extLst>
+          </p:cNvPr>
+          <p:cNvPicPr>
+            <a:picLocks noChangeAspect="1"/>
+          </p:cNvPicPr>
+          <p:nvPr/>
+        </p:nvPicPr>
+        <p:blipFill rotWithShape="1">
+          <a:blip r:embed="rId3">
+            <a:extLst>
+              <a:ext uri="{28A0092B-C50C-407E-A947-70E740481C1C}">
+                <a14:useLocalDpi xmlns:a14="http://schemas.microsoft.com/office/drawing/2010/main" val="0"/>
+              </a:ext>
+            </a:extLst>
+          </a:blip>
+          <a:srcRect b="6167"/>
+          <a:stretch/>
+        </p:blipFill>
+        <p:spPr>
+          <a:xfrm>
+            <a:off x="156272" y="797166"/>
+            <a:ext cx="2795616" cy="3294282"/>
+          </a:xfrm>
+          <a:prstGeom prst="rect">
+            <a:avLst/>
+          </a:prstGeom>
+        </p:spPr>
+      </p:pic>
+      <p:sp>
+        <p:nvSpPr>
+          <p:cNvPr id="10" name="吹き出し: 角を丸めた四角形 9">
+            <a:extLst>
+              <a:ext uri="{FF2B5EF4-FFF2-40B4-BE49-F238E27FC236}">
+                <a16:creationId xmlns:a16="http://schemas.microsoft.com/office/drawing/2014/main" id="{B2E13384-D481-476C-A562-BC3FA155384D}"/>
+              </a:ext>
+            </a:extLst>
+          </p:cNvPr>
+          <p:cNvSpPr/>
+          <p:nvPr/>
+        </p:nvSpPr>
+        <p:spPr>
+          <a:xfrm>
+            <a:off x="2244971" y="4091448"/>
+            <a:ext cx="3851030" cy="2569550"/>
+          </a:xfrm>
+          <a:prstGeom prst="wedgeRoundRectCallout">
+            <a:avLst>
+              <a:gd name="adj1" fmla="val -52735"/>
+              <a:gd name="adj2" fmla="val -80524"/>
+              <a:gd name="adj3" fmla="val 16667"/>
+            </a:avLst>
+          </a:prstGeom>
+          <a:noFill/>
+          <a:ln>
+            <a:solidFill>
+              <a:schemeClr val="bg1"/>
+            </a:solidFill>
+          </a:ln>
+        </p:spPr>
+        <p:style>
+          <a:lnRef idx="2">
+            <a:schemeClr val="accent1">
+              <a:shade val="50000"/>
+            </a:schemeClr>
+          </a:lnRef>
+          <a:fillRef idx="1">
+            <a:schemeClr val="accent1"/>
+          </a:fillRef>
+          <a:effectRef idx="0">
+            <a:schemeClr val="accent1"/>
+          </a:effectRef>
+          <a:fontRef idx="minor">
+            <a:schemeClr val="lt1"/>
+          </a:fontRef>
+        </p:style>
+        <p:txBody>
+          <a:bodyPr rtlCol="0" anchor="ctr"/>
+          <a:lstStyle/>
+          <a:p>
+            <a:pPr algn="ctr"/>
+            <a:endParaRPr kumimoji="1" lang="ja-JP" altLang="en-US"/>
+          </a:p>
+        </p:txBody>
+      </p:sp>
+    </p:spTree>
+    <p:extLst>
+      <p:ext uri="{BB962C8B-B14F-4D97-AF65-F5344CB8AC3E}">
+        <p14:creationId xmlns:p14="http://schemas.microsoft.com/office/powerpoint/2010/main" val="1620261440"/>
+      </p:ext>
+    </p:extLst>
+  </p:cSld>
+  <p:clrMapOvr>
+    <a:masterClrMapping/>
+  </p:clrMapOvr>
+</p:sld>
+</file>
+
+<file path=ppt/slides/slide9.xml><?xml version="1.0" encoding="utf-8"?>
+<p:sld xmlns:a="http://schemas.openxmlformats.org/drawingml/2006/main" xmlns:r="http://schemas.openxmlformats.org/officeDocument/2006/relationships" xmlns:p="http://schemas.openxmlformats.org/presentationml/2006/main">
+  <p:cSld>
+    <p:bg>
+      <p:bgPr>
+        <a:solidFill>
+          <a:schemeClr val="tx1"/>
+        </a:solidFill>
+        <a:effectLst/>
+      </p:bgPr>
+    </p:bg>
+    <p:spTree>
+      <p:nvGrpSpPr>
+        <p:cNvPr id="1" name=""/>
+        <p:cNvGrpSpPr/>
+        <p:nvPr/>
+      </p:nvGrpSpPr>
+      <p:grpSpPr>
+        <a:xfrm>
+          <a:off x="0" y="0"/>
+          <a:ext cx="0" cy="0"/>
+          <a:chOff x="0" y="0"/>
+          <a:chExt cx="0" cy="0"/>
+        </a:xfrm>
+      </p:grpSpPr>
+      <p:sp>
+        <p:nvSpPr>
+          <p:cNvPr id="5" name="テキスト ボックス 4">
+            <a:extLst>
+              <a:ext uri="{FF2B5EF4-FFF2-40B4-BE49-F238E27FC236}">
+                <a16:creationId xmlns:a16="http://schemas.microsoft.com/office/drawing/2014/main" id="{DAE330ED-0461-497D-84E6-F0CB9B1690C0}"/>
+              </a:ext>
+            </a:extLst>
+          </p:cNvPr>
+          <p:cNvSpPr txBox="1"/>
+          <p:nvPr/>
+        </p:nvSpPr>
+        <p:spPr>
+          <a:xfrm>
+            <a:off x="3927331" y="2986095"/>
+            <a:ext cx="4783015" cy="1200329"/>
+          </a:xfrm>
+          <a:prstGeom prst="rect">
+            <a:avLst/>
+          </a:prstGeom>
+          <a:noFill/>
+        </p:spPr>
+        <p:txBody>
+          <a:bodyPr wrap="square" rtlCol="0">
+            <a:spAutoFit/>
+          </a:bodyPr>
+          <a:lstStyle/>
+          <a:p>
+            <a:r>
+              <a:rPr kumimoji="1" lang="ja-JP" altLang="en-US" sz="3600" dirty="0">
+                <a:solidFill>
+                  <a:schemeClr val="bg1"/>
+                </a:solidFill>
+                <a:latin typeface="x12y16pxMaruMonica" panose="02000000000000000000" pitchFamily="2" charset="-128"/>
+                <a:ea typeface="x12y16pxMaruMonica" panose="02000000000000000000" pitchFamily="2" charset="-128"/>
+              </a:rPr>
+              <a:t>それはこれから</a:t>
+            </a:r>
+            <a:r>
+              <a:rPr kumimoji="1" lang="en-US" altLang="ja-JP" sz="3600" dirty="0">
+                <a:solidFill>
+                  <a:schemeClr val="bg1"/>
+                </a:solidFill>
+                <a:latin typeface="x12y16pxMaruMonica" panose="02000000000000000000" pitchFamily="2" charset="-128"/>
+                <a:ea typeface="x12y16pxMaruMonica" panose="02000000000000000000" pitchFamily="2" charset="-128"/>
+              </a:rPr>
+              <a:t>Undertale</a:t>
+            </a:r>
+            <a:r>
+              <a:rPr kumimoji="1" lang="ja-JP" altLang="en-US" sz="3600" dirty="0">
+                <a:solidFill>
+                  <a:schemeClr val="bg1"/>
+                </a:solidFill>
+                <a:latin typeface="x12y16pxMaruMonica" panose="02000000000000000000" pitchFamily="2" charset="-128"/>
+                <a:ea typeface="x12y16pxMaruMonica" panose="02000000000000000000" pitchFamily="2" charset="-128"/>
+              </a:rPr>
+              <a:t>を遊ぶ</a:t>
+            </a:r>
+            <a:r>
+              <a:rPr kumimoji="1" lang="ja-JP" altLang="en-US" sz="3600" dirty="0">
+                <a:solidFill>
+                  <a:srgbClr val="FFFF00"/>
+                </a:solidFill>
+                <a:latin typeface="x12y16pxMaruMonica" panose="02000000000000000000" pitchFamily="2" charset="-128"/>
+                <a:ea typeface="x12y16pxMaruMonica" panose="02000000000000000000" pitchFamily="2" charset="-128"/>
+              </a:rPr>
+              <a:t>目の前の君</a:t>
+            </a:r>
+            <a:r>
+              <a:rPr kumimoji="1" lang="ja-JP" altLang="en-US" sz="3600" dirty="0">
+                <a:solidFill>
+                  <a:schemeClr val="bg1"/>
+                </a:solidFill>
+                <a:latin typeface="x12y16pxMaruMonica" panose="02000000000000000000" pitchFamily="2" charset="-128"/>
+                <a:ea typeface="x12y16pxMaruMonica" panose="02000000000000000000" pitchFamily="2" charset="-128"/>
+              </a:rPr>
+              <a:t>次第だな</a:t>
+            </a:r>
+            <a:r>
+              <a:rPr kumimoji="1" lang="en-US" altLang="ja-JP" sz="3600" dirty="0">
+                <a:solidFill>
+                  <a:schemeClr val="bg1"/>
+                </a:solidFill>
+                <a:latin typeface="x12y16pxMaruMonica" panose="02000000000000000000" pitchFamily="2" charset="-128"/>
+                <a:ea typeface="x12y16pxMaruMonica" panose="02000000000000000000" pitchFamily="2" charset="-128"/>
+              </a:rPr>
+              <a:t>…</a:t>
+            </a:r>
+            <a:endParaRPr kumimoji="1" lang="ja-JP" altLang="en-US" sz="3600" dirty="0">
+              <a:solidFill>
+                <a:schemeClr val="bg1"/>
+              </a:solidFill>
+              <a:latin typeface="x12y16pxMaruMonica" panose="02000000000000000000" pitchFamily="2" charset="-128"/>
+              <a:ea typeface="x12y16pxMaruMonica" panose="02000000000000000000" pitchFamily="2" charset="-128"/>
+            </a:endParaRPr>
+          </a:p>
+        </p:txBody>
+      </p:sp>
+      <p:sp>
+        <p:nvSpPr>
+          <p:cNvPr id="4" name="吹き出し: 角を丸めた四角形 3">
+            <a:extLst>
+              <a:ext uri="{FF2B5EF4-FFF2-40B4-BE49-F238E27FC236}">
+                <a16:creationId xmlns:a16="http://schemas.microsoft.com/office/drawing/2014/main" id="{59599FD9-FC5A-40E2-A0FD-48B8BECA8630}"/>
+              </a:ext>
+            </a:extLst>
+          </p:cNvPr>
+          <p:cNvSpPr/>
+          <p:nvPr/>
+        </p:nvSpPr>
+        <p:spPr>
+          <a:xfrm>
+            <a:off x="3393830" y="2773338"/>
+            <a:ext cx="5732585" cy="1625845"/>
+          </a:xfrm>
+          <a:prstGeom prst="wedgeRoundRectCallout">
+            <a:avLst>
+              <a:gd name="adj1" fmla="val 59842"/>
+              <a:gd name="adj2" fmla="val 32298"/>
+              <a:gd name="adj3" fmla="val 16667"/>
+            </a:avLst>
+          </a:prstGeom>
+          <a:noFill/>
+          <a:ln>
+            <a:solidFill>
+              <a:schemeClr val="bg1"/>
+            </a:solidFill>
+          </a:ln>
+        </p:spPr>
+        <p:style>
+          <a:lnRef idx="2">
+            <a:schemeClr val="accent1">
+              <a:shade val="50000"/>
+            </a:schemeClr>
+          </a:lnRef>
+          <a:fillRef idx="1">
+            <a:schemeClr val="accent1"/>
+          </a:fillRef>
+          <a:effectRef idx="0">
+            <a:schemeClr val="accent1"/>
+          </a:effectRef>
+          <a:fontRef idx="minor">
+            <a:schemeClr val="lt1"/>
+          </a:fontRef>
+        </p:style>
+        <p:txBody>
+          <a:bodyPr rtlCol="0" anchor="ctr"/>
+          <a:lstStyle/>
+          <a:p>
+            <a:pPr algn="ctr"/>
+            <a:endParaRPr kumimoji="1" lang="ja-JP" altLang="en-US"/>
+          </a:p>
+        </p:txBody>
+      </p:sp>
+      <p:pic>
+        <p:nvPicPr>
+          <p:cNvPr id="3" name="図 2">
+            <a:extLst>
+              <a:ext uri="{FF2B5EF4-FFF2-40B4-BE49-F238E27FC236}">
+                <a16:creationId xmlns:a16="http://schemas.microsoft.com/office/drawing/2014/main" id="{A9B08A77-1C93-46A7-87A7-FE9DB47B3D1C}"/>
+              </a:ext>
+            </a:extLst>
+          </p:cNvPr>
+          <p:cNvPicPr>
+            <a:picLocks noChangeAspect="1"/>
+          </p:cNvPicPr>
+          <p:nvPr/>
+        </p:nvPicPr>
+        <p:blipFill>
+          <a:blip r:embed="rId2">
+            <a:extLst>
+              <a:ext uri="{28A0092B-C50C-407E-A947-70E740481C1C}">
+                <a14:useLocalDpi xmlns:a14="http://schemas.microsoft.com/office/drawing/2010/main" val="0"/>
+              </a:ext>
+            </a:extLst>
+          </a:blip>
+          <a:stretch>
+            <a:fillRect/>
+          </a:stretch>
+        </p:blipFill>
+        <p:spPr>
+          <a:xfrm>
+            <a:off x="9542182" y="2186358"/>
+            <a:ext cx="2649817" cy="2799807"/>
+          </a:xfrm>
+          <a:prstGeom prst="rect">
+            <a:avLst/>
+          </a:prstGeom>
+        </p:spPr>
+      </p:pic>
+      <p:pic>
+        <p:nvPicPr>
+          <p:cNvPr id="8" name="図 7">
+            <a:extLst>
+              <a:ext uri="{FF2B5EF4-FFF2-40B4-BE49-F238E27FC236}">
+                <a16:creationId xmlns:a16="http://schemas.microsoft.com/office/drawing/2014/main" id="{D23F3175-288D-4EDD-99F7-10DFA382A020}"/>
+              </a:ext>
+            </a:extLst>
+          </p:cNvPr>
+          <p:cNvPicPr>
+            <a:picLocks noChangeAspect="1"/>
+          </p:cNvPicPr>
+          <p:nvPr/>
+        </p:nvPicPr>
+        <p:blipFill rotWithShape="1">
+          <a:blip r:embed="rId3">
+            <a:extLst>
+              <a:ext uri="{28A0092B-C50C-407E-A947-70E740481C1C}">
+                <a14:useLocalDpi xmlns:a14="http://schemas.microsoft.com/office/drawing/2010/main" val="0"/>
+              </a:ext>
+            </a:extLst>
+          </a:blip>
+          <a:srcRect b="6167"/>
+          <a:stretch/>
+        </p:blipFill>
+        <p:spPr>
+          <a:xfrm>
+            <a:off x="299879" y="1846"/>
+            <a:ext cx="2795616" cy="3294282"/>
+          </a:xfrm>
+          <a:prstGeom prst="rect">
+            <a:avLst/>
+          </a:prstGeom>
+        </p:spPr>
+      </p:pic>
+      <p:sp>
+        <p:nvSpPr>
+          <p:cNvPr id="10" name="吹き出し: 角を丸めた四角形 9">
+            <a:extLst>
+              <a:ext uri="{FF2B5EF4-FFF2-40B4-BE49-F238E27FC236}">
+                <a16:creationId xmlns:a16="http://schemas.microsoft.com/office/drawing/2014/main" id="{B2E13384-D481-476C-A562-BC3FA155384D}"/>
+              </a:ext>
+            </a:extLst>
+          </p:cNvPr>
+          <p:cNvSpPr/>
+          <p:nvPr/>
+        </p:nvSpPr>
+        <p:spPr>
+          <a:xfrm>
+            <a:off x="3095495" y="371968"/>
+            <a:ext cx="6446687" cy="982047"/>
+          </a:xfrm>
+          <a:prstGeom prst="wedgeRoundRectCallout">
+            <a:avLst>
+              <a:gd name="adj1" fmla="val -59532"/>
+              <a:gd name="adj2" fmla="val 141181"/>
+              <a:gd name="adj3" fmla="val 16667"/>
+            </a:avLst>
+          </a:prstGeom>
+          <a:noFill/>
+          <a:ln>
+            <a:solidFill>
+              <a:schemeClr val="bg1"/>
+            </a:solidFill>
+          </a:ln>
+        </p:spPr>
+        <p:style>
+          <a:lnRef idx="2">
+            <a:schemeClr val="accent1">
+              <a:shade val="50000"/>
+            </a:schemeClr>
+          </a:lnRef>
+          <a:fillRef idx="1">
+            <a:schemeClr val="accent1"/>
+          </a:fillRef>
+          <a:effectRef idx="0">
+            <a:schemeClr val="accent1"/>
+          </a:effectRef>
+          <a:fontRef idx="minor">
+            <a:schemeClr val="lt1"/>
+          </a:fontRef>
+        </p:style>
+        <p:txBody>
+          <a:bodyPr rtlCol="0" anchor="ctr"/>
+          <a:lstStyle/>
+          <a:p>
+            <a:pPr algn="ctr"/>
+            <a:endParaRPr kumimoji="1" lang="ja-JP" altLang="en-US"/>
+          </a:p>
+        </p:txBody>
+      </p:sp>
+      <p:sp>
+        <p:nvSpPr>
+          <p:cNvPr id="2" name="テキスト ボックス 1">
+            <a:extLst>
+              <a:ext uri="{FF2B5EF4-FFF2-40B4-BE49-F238E27FC236}">
+                <a16:creationId xmlns:a16="http://schemas.microsoft.com/office/drawing/2014/main" id="{0E236954-A34B-4A8A-88D7-8A027897C6D1}"/>
+              </a:ext>
+            </a:extLst>
+          </p:cNvPr>
+          <p:cNvSpPr txBox="1"/>
+          <p:nvPr/>
+        </p:nvSpPr>
+        <p:spPr>
+          <a:xfrm>
+            <a:off x="3305908" y="440136"/>
+            <a:ext cx="5908430" cy="646331"/>
+          </a:xfrm>
+          <a:prstGeom prst="rect">
+            <a:avLst/>
+          </a:prstGeom>
+          <a:noFill/>
+        </p:spPr>
+        <p:txBody>
+          <a:bodyPr wrap="square" rtlCol="0">
+            <a:spAutoFit/>
+          </a:bodyPr>
+          <a:lstStyle/>
+          <a:p>
+            <a:r>
+              <a:rPr kumimoji="1" lang="ja-JP" altLang="en-US" sz="3600" dirty="0">
+                <a:solidFill>
+                  <a:schemeClr val="bg1"/>
+                </a:solidFill>
+                <a:latin typeface="x12y16pxMaruMonica" panose="02000000000000000000" pitchFamily="2" charset="-128"/>
+                <a:ea typeface="x12y16pxMaruMonica" panose="02000000000000000000" pitchFamily="2" charset="-128"/>
+              </a:rPr>
+              <a:t>お、俺たち殺されちゃうのか</a:t>
+            </a:r>
+            <a:r>
+              <a:rPr kumimoji="1" lang="en-US" altLang="ja-JP" sz="3600" dirty="0">
+                <a:solidFill>
+                  <a:schemeClr val="bg1"/>
+                </a:solidFill>
+                <a:latin typeface="x12y16pxMaruMonica" panose="02000000000000000000" pitchFamily="2" charset="-128"/>
+                <a:ea typeface="x12y16pxMaruMonica" panose="02000000000000000000" pitchFamily="2" charset="-128"/>
+              </a:rPr>
+              <a:t>…</a:t>
+            </a:r>
+            <a:r>
+              <a:rPr kumimoji="1" lang="ja-JP" altLang="en-US" sz="3600" dirty="0">
+                <a:solidFill>
+                  <a:schemeClr val="bg1"/>
+                </a:solidFill>
+                <a:latin typeface="x12y16pxMaruMonica" panose="02000000000000000000" pitchFamily="2" charset="-128"/>
+                <a:ea typeface="x12y16pxMaruMonica" panose="02000000000000000000" pitchFamily="2" charset="-128"/>
+              </a:rPr>
+              <a:t>？</a:t>
+            </a:r>
+          </a:p>
+        </p:txBody>
+      </p:sp>
+    </p:spTree>
+    <p:extLst>
+      <p:ext uri="{BB962C8B-B14F-4D97-AF65-F5344CB8AC3E}">
+        <p14:creationId xmlns:p14="http://schemas.microsoft.com/office/powerpoint/2010/main" val="2146665811"/>
       </p:ext>
     </p:extLst>
   </p:cSld>

--- a/Kikaku_1/Undertaleの宣伝.pptx
+++ b/Kikaku_1/Undertaleの宣伝.pptx
@@ -4460,6 +4460,7 @@
           </a:bodyPr>
           <a:lstStyle/>
           <a:p>
+            <a:pPr algn="r"/>
             <a:r>
               <a:rPr kumimoji="1" lang="ja-JP" altLang="en-US" sz="3600" dirty="0">
                 <a:solidFill>
@@ -4557,6 +4558,7 @@
           </a:bodyPr>
           <a:lstStyle/>
           <a:p>
+            <a:pPr algn="r"/>
             <a:r>
               <a:rPr kumimoji="1" lang="ja-JP" altLang="en-US" sz="3600" dirty="0">
                 <a:solidFill>
@@ -4861,6 +4863,7 @@
           </a:bodyPr>
           <a:lstStyle/>
           <a:p>
+            <a:pPr algn="r"/>
             <a:r>
               <a:rPr kumimoji="1" lang="ja-JP" altLang="en-US" sz="3600" dirty="0">
                 <a:solidFill>
@@ -5216,6 +5219,7 @@
           </a:bodyPr>
           <a:lstStyle/>
           <a:p>
+            <a:pPr algn="r"/>
             <a:r>
               <a:rPr kumimoji="1" lang="ja-JP" altLang="en-US" sz="3600" dirty="0">
                 <a:solidFill>
@@ -5235,6 +5239,7 @@
             </a:endParaRPr>
           </a:p>
           <a:p>
+            <a:pPr algn="r"/>
             <a:r>
               <a:rPr kumimoji="1" lang="ja-JP" altLang="en-US" sz="3600" dirty="0">
                 <a:solidFill>
@@ -5563,6 +5568,7 @@
           </a:bodyPr>
           <a:lstStyle/>
           <a:p>
+            <a:pPr algn="r"/>
             <a:r>
               <a:rPr kumimoji="1" lang="ja-JP" altLang="en-US" sz="3600" dirty="0">
                 <a:solidFill>
@@ -5582,6 +5588,7 @@
             </a:endParaRPr>
           </a:p>
           <a:p>
+            <a:pPr algn="r"/>
             <a:r>
               <a:rPr lang="ja-JP" altLang="en-US" sz="3600" dirty="0">
                 <a:solidFill>
@@ -5601,6 +5608,7 @@
             </a:endParaRPr>
           </a:p>
           <a:p>
+            <a:pPr algn="r"/>
             <a:r>
               <a:rPr kumimoji="1" lang="ja-JP" altLang="en-US" sz="3600" dirty="0">
                 <a:solidFill>
@@ -5682,7 +5690,7 @@
         <p:spPr>
           <a:xfrm>
             <a:off x="2244971" y="4091448"/>
-            <a:ext cx="3851030" cy="2569550"/>
+            <a:ext cx="4783014" cy="2569550"/>
           </a:xfrm>
           <a:prstGeom prst="wedgeRoundRectCallout">
             <a:avLst>
@@ -5829,7 +5837,7 @@
         </p:nvSpPr>
         <p:spPr>
           <a:xfrm>
-            <a:off x="6358967" y="3563724"/>
+            <a:off x="6881045" y="3731752"/>
             <a:ext cx="2403632" cy="1754326"/>
           </a:xfrm>
           <a:prstGeom prst="rect">
@@ -5843,6 +5851,7 @@
           </a:bodyPr>
           <a:lstStyle/>
           <a:p>
+            <a:pPr algn="r"/>
             <a:r>
               <a:rPr kumimoji="1" lang="ja-JP" altLang="en-US" sz="3600" dirty="0">
                 <a:solidFill>
@@ -5870,8 +5879,8 @@
         </p:nvSpPr>
         <p:spPr>
           <a:xfrm>
-            <a:off x="6358967" y="3429000"/>
-            <a:ext cx="3054263" cy="2939012"/>
+            <a:off x="7156938" y="3429000"/>
+            <a:ext cx="2256292" cy="2250831"/>
           </a:xfrm>
           <a:prstGeom prst="wedgeRoundRectCallout">
             <a:avLst>
@@ -5975,7 +5984,7 @@
         <p:spPr>
           <a:xfrm>
             <a:off x="2403030" y="4211655"/>
-            <a:ext cx="3435062" cy="1754326"/>
+            <a:ext cx="4349062" cy="1754326"/>
           </a:xfrm>
           <a:prstGeom prst="rect">
             <a:avLst/>
@@ -6070,7 +6079,7 @@
         </p:nvSpPr>
         <p:spPr>
           <a:xfrm>
-            <a:off x="3903785" y="197002"/>
+            <a:off x="3938955" y="296976"/>
             <a:ext cx="4783015" cy="1754326"/>
           </a:xfrm>
           <a:prstGeom prst="rect">
@@ -6084,6 +6093,7 @@
           </a:bodyPr>
           <a:lstStyle/>
           <a:p>
+            <a:pPr algn="r"/>
             <a:r>
               <a:rPr kumimoji="1" lang="ja-JP" altLang="en-US" sz="3600" dirty="0">
                 <a:solidFill>
@@ -6614,6 +6624,7 @@
           </a:bodyPr>
           <a:lstStyle/>
           <a:p>
+            <a:pPr algn="r"/>
             <a:r>
               <a:rPr kumimoji="1" lang="ja-JP" altLang="en-US" sz="3600" dirty="0">
                 <a:solidFill>
@@ -6656,6 +6667,7 @@
             </a:r>
           </a:p>
           <a:p>
+            <a:pPr algn="r"/>
             <a:r>
               <a:rPr lang="ja-JP" altLang="en-US" sz="3600" dirty="0">
                 <a:solidFill>
@@ -7003,6 +7015,7 @@
           </a:bodyPr>
           <a:lstStyle/>
           <a:p>
+            <a:pPr algn="r"/>
             <a:r>
               <a:rPr kumimoji="1" lang="ja-JP" altLang="en-US" sz="3600" dirty="0">
                 <a:solidFill>
